--- a/入門系の本を一冊も読まず.pptx
+++ b/入門系の本を一冊も読まず.pptx
@@ -16,7 +16,14 @@
     <p:sldId id="264" r:id="rId10"/>
     <p:sldId id="265" r:id="rId11"/>
     <p:sldId id="266" r:id="rId12"/>
-    <p:sldId id="267" r:id="rId13"/>
+    <p:sldId id="269" r:id="rId13"/>
+    <p:sldId id="270" r:id="rId14"/>
+    <p:sldId id="271" r:id="rId15"/>
+    <p:sldId id="268" r:id="rId16"/>
+    <p:sldId id="267" r:id="rId17"/>
+    <p:sldId id="272" r:id="rId18"/>
+    <p:sldId id="273" r:id="rId19"/>
+    <p:sldId id="274" r:id="rId20"/>
   </p:sldIdLst>
   <p:sldSz cx="9144000" cy="6858000" type="screen4x3"/>
   <p:notesSz cx="6858000" cy="9144000"/>
@@ -306,7 +313,7 @@
           <a:p>
             <a:fld id="{602318CA-0316-4163-821F-464F5C242CBE}" type="datetimeFigureOut">
               <a:rPr kumimoji="1" lang="ja-JP" altLang="en-US" smtClean="0"/>
-              <a:t>2017/3/21</a:t>
+              <a:t>2017/3/24</a:t>
             </a:fld>
             <a:endParaRPr kumimoji="1" lang="ja-JP" altLang="en-US"/>
           </a:p>
@@ -510,7 +517,7 @@
           <a:p>
             <a:fld id="{602318CA-0316-4163-821F-464F5C242CBE}" type="datetimeFigureOut">
               <a:rPr kumimoji="1" lang="ja-JP" altLang="en-US" smtClean="0"/>
-              <a:t>2017/3/21</a:t>
+              <a:t>2017/3/24</a:t>
             </a:fld>
             <a:endParaRPr kumimoji="1" lang="ja-JP" altLang="en-US"/>
           </a:p>
@@ -717,7 +724,7 @@
           <a:p>
             <a:fld id="{602318CA-0316-4163-821F-464F5C242CBE}" type="datetimeFigureOut">
               <a:rPr kumimoji="1" lang="ja-JP" altLang="en-US" smtClean="0"/>
-              <a:t>2017/3/21</a:t>
+              <a:t>2017/3/24</a:t>
             </a:fld>
             <a:endParaRPr kumimoji="1" lang="ja-JP" altLang="en-US"/>
           </a:p>
@@ -914,7 +921,7 @@
           <a:p>
             <a:fld id="{602318CA-0316-4163-821F-464F5C242CBE}" type="datetimeFigureOut">
               <a:rPr kumimoji="1" lang="ja-JP" altLang="en-US" smtClean="0"/>
-              <a:t>2017/3/21</a:t>
+              <a:t>2017/3/24</a:t>
             </a:fld>
             <a:endParaRPr kumimoji="1" lang="ja-JP" altLang="en-US"/>
           </a:p>
@@ -1162,7 +1169,7 @@
           <a:p>
             <a:fld id="{602318CA-0316-4163-821F-464F5C242CBE}" type="datetimeFigureOut">
               <a:rPr kumimoji="1" lang="ja-JP" altLang="en-US" smtClean="0"/>
-              <a:t>2017/3/21</a:t>
+              <a:t>2017/3/24</a:t>
             </a:fld>
             <a:endParaRPr kumimoji="1" lang="ja-JP" altLang="en-US"/>
           </a:p>
@@ -1544,7 +1551,7 @@
           <a:p>
             <a:fld id="{602318CA-0316-4163-821F-464F5C242CBE}" type="datetimeFigureOut">
               <a:rPr kumimoji="1" lang="ja-JP" altLang="en-US" smtClean="0"/>
-              <a:t>2017/3/21</a:t>
+              <a:t>2017/3/24</a:t>
             </a:fld>
             <a:endParaRPr kumimoji="1" lang="ja-JP" altLang="en-US"/>
           </a:p>
@@ -2074,7 +2081,7 @@
           <a:p>
             <a:fld id="{602318CA-0316-4163-821F-464F5C242CBE}" type="datetimeFigureOut">
               <a:rPr kumimoji="1" lang="ja-JP" altLang="en-US" smtClean="0"/>
-              <a:t>2017/3/21</a:t>
+              <a:t>2017/3/24</a:t>
             </a:fld>
             <a:endParaRPr kumimoji="1" lang="ja-JP" altLang="en-US"/>
           </a:p>
@@ -2222,7 +2229,7 @@
           <a:p>
             <a:fld id="{602318CA-0316-4163-821F-464F5C242CBE}" type="datetimeFigureOut">
               <a:rPr kumimoji="1" lang="ja-JP" altLang="en-US" smtClean="0"/>
-              <a:t>2017/3/21</a:t>
+              <a:t>2017/3/24</a:t>
             </a:fld>
             <a:endParaRPr kumimoji="1" lang="ja-JP" altLang="en-US"/>
           </a:p>
@@ -2312,7 +2319,7 @@
           <a:p>
             <a:fld id="{602318CA-0316-4163-821F-464F5C242CBE}" type="datetimeFigureOut">
               <a:rPr kumimoji="1" lang="ja-JP" altLang="en-US" smtClean="0"/>
-              <a:t>2017/3/21</a:t>
+              <a:t>2017/3/24</a:t>
             </a:fld>
             <a:endParaRPr kumimoji="1" lang="ja-JP" altLang="en-US"/>
           </a:p>
@@ -2618,7 +2625,7 @@
           <a:p>
             <a:fld id="{602318CA-0316-4163-821F-464F5C242CBE}" type="datetimeFigureOut">
               <a:rPr kumimoji="1" lang="ja-JP" altLang="en-US" smtClean="0"/>
-              <a:t>2017/3/21</a:t>
+              <a:t>2017/3/24</a:t>
             </a:fld>
             <a:endParaRPr kumimoji="1" lang="ja-JP" altLang="en-US"/>
           </a:p>
@@ -2923,7 +2930,7 @@
           <a:p>
             <a:fld id="{602318CA-0316-4163-821F-464F5C242CBE}" type="datetimeFigureOut">
               <a:rPr kumimoji="1" lang="ja-JP" altLang="en-US" smtClean="0"/>
-              <a:t>2017/3/21</a:t>
+              <a:t>2017/3/24</a:t>
             </a:fld>
             <a:endParaRPr kumimoji="1" lang="ja-JP" altLang="en-US"/>
           </a:p>
@@ -3256,7 +3263,7 @@
             <a:fld id="{602318CA-0316-4163-821F-464F5C242CBE}" type="datetimeFigureOut">
               <a:rPr lang="ja-JP" altLang="en-US" smtClean="0"/>
               <a:pPr/>
-              <a:t>2017/3/21</a:t>
+              <a:t>2017/3/24</a:t>
             </a:fld>
             <a:endParaRPr lang="ja-JP" altLang="en-US"/>
           </a:p>
@@ -3908,6 +3915,14 @@
             </a:r>
             <a:r>
               <a:rPr kumimoji="1" lang="ja-JP" altLang="en-US" dirty="0" smtClean="0"/>
+              <a:t> </a:t>
+            </a:r>
+            <a:r>
+              <a:rPr kumimoji="1" lang="en-US" altLang="ja-JP" dirty="0" smtClean="0"/>
+              <a:t>Notebook</a:t>
+            </a:r>
+            <a:r>
+              <a:rPr kumimoji="1" lang="ja-JP" altLang="en-US" dirty="0" smtClean="0"/>
               <a:t>でした</a:t>
             </a:r>
             <a:endParaRPr kumimoji="1" lang="ja-JP" altLang="en-US" dirty="0"/>
@@ -4025,7 +4040,31 @@
             </a:r>
             <a:r>
               <a:rPr kumimoji="1" lang="ja-JP" altLang="en-US" dirty="0" smtClean="0"/>
-              <a:t> グラフ化するライブラリ</a:t>
+              <a:t> </a:t>
+            </a:r>
+            <a:r>
+              <a:rPr kumimoji="1" lang="ja-JP" altLang="en-US" dirty="0" smtClean="0"/>
+              <a:t>グラフ化</a:t>
+            </a:r>
+            <a:r>
+              <a:rPr kumimoji="1" lang="en-US" altLang="ja-JP" dirty="0" smtClean="0"/>
+              <a:t>(</a:t>
+            </a:r>
+            <a:r>
+              <a:rPr kumimoji="1" lang="ja-JP" altLang="en-US" dirty="0" smtClean="0"/>
+              <a:t>描画</a:t>
+            </a:r>
+            <a:r>
+              <a:rPr kumimoji="1" lang="en-US" altLang="ja-JP" dirty="0" smtClean="0"/>
+              <a:t>)</a:t>
+            </a:r>
+            <a:r>
+              <a:rPr kumimoji="1" lang="ja-JP" altLang="en-US" dirty="0" smtClean="0"/>
+              <a:t>する</a:t>
+            </a:r>
+            <a:r>
+              <a:rPr kumimoji="1" lang="ja-JP" altLang="en-US" dirty="0" smtClean="0"/>
+              <a:t>ライブラリ</a:t>
             </a:r>
             <a:endParaRPr kumimoji="1" lang="en-US" altLang="ja-JP" dirty="0" smtClean="0"/>
           </a:p>
@@ -4056,6 +4095,13 @@
   <p:clrMapOvr>
     <a:masterClrMapping/>
   </p:clrMapOvr>
+  <p:timing>
+    <p:tnLst>
+      <p:par>
+        <p:cTn id="1" dur="indefinite" restart="never" nodeType="tmRoot"/>
+      </p:par>
+    </p:tnLst>
+  </p:timing>
 </p:sld>
 </file>
 
@@ -4092,6 +4138,1058 @@
           <a:lstStyle/>
           <a:p>
             <a:r>
+              <a:rPr kumimoji="1" lang="ja-JP" altLang="en-US" dirty="0" smtClean="0"/>
+              <a:t>道具は揃った！</a:t>
+            </a:r>
+            <a:endParaRPr kumimoji="1" lang="ja-JP" altLang="en-US" dirty="0"/>
+          </a:p>
+        </p:txBody>
+      </p:sp>
+      <p:sp>
+        <p:nvSpPr>
+          <p:cNvPr id="3" name="コンテンツ プレースホルダー 2"/>
+          <p:cNvSpPr>
+            <a:spLocks noGrp="1"/>
+          </p:cNvSpPr>
+          <p:nvPr>
+            <p:ph idx="1"/>
+          </p:nvPr>
+        </p:nvSpPr>
+        <p:spPr/>
+        <p:txBody>
+          <a:bodyPr/>
+          <a:lstStyle/>
+          <a:p>
+            <a:pPr marL="0" indent="0">
+              <a:buNone/>
+            </a:pPr>
+            <a:r>
+              <a:rPr kumimoji="1" lang="ja-JP" altLang="en-US" sz="1800" dirty="0" smtClean="0"/>
+              <a:t> あとはこの二つが大事</a:t>
+            </a:r>
+            <a:endParaRPr kumimoji="1" lang="en-US" altLang="ja-JP" sz="1800" dirty="0" smtClean="0"/>
+          </a:p>
+          <a:p>
+            <a:r>
+              <a:rPr lang="ja-JP" altLang="en-US" sz="6000" dirty="0" smtClean="0"/>
+              <a:t> やりたいこと</a:t>
+            </a:r>
+            <a:endParaRPr lang="en-US" altLang="ja-JP" sz="6000" dirty="0" smtClean="0"/>
+          </a:p>
+          <a:p>
+            <a:r>
+              <a:rPr kumimoji="1" lang="ja-JP" altLang="en-US" sz="6000" dirty="0" smtClean="0"/>
+              <a:t> データ</a:t>
+            </a:r>
+            <a:endParaRPr kumimoji="1" lang="en-US" altLang="ja-JP" sz="6000" dirty="0" smtClean="0"/>
+          </a:p>
+        </p:txBody>
+      </p:sp>
+    </p:spTree>
+    <p:extLst>
+      <p:ext uri="{BB962C8B-B14F-4D97-AF65-F5344CB8AC3E}">
+        <p14:creationId xmlns:p14="http://schemas.microsoft.com/office/powerpoint/2010/main" val="2308968357"/>
+      </p:ext>
+    </p:extLst>
+  </p:cSld>
+  <p:clrMapOvr>
+    <a:masterClrMapping/>
+  </p:clrMapOvr>
+  <p:timing>
+    <p:tnLst>
+      <p:par>
+        <p:cTn id="1" dur="indefinite" restart="never" nodeType="tmRoot"/>
+      </p:par>
+    </p:tnLst>
+  </p:timing>
+</p:sld>
+</file>
+
+<file path=ppt/slides/slide13.xml><?xml version="1.0" encoding="utf-8"?>
+<p:sld xmlns:a="http://schemas.openxmlformats.org/drawingml/2006/main" xmlns:r="http://schemas.openxmlformats.org/officeDocument/2006/relationships" xmlns:p="http://schemas.openxmlformats.org/presentationml/2006/main">
+  <p:cSld>
+    <p:spTree>
+      <p:nvGrpSpPr>
+        <p:cNvPr id="1" name=""/>
+        <p:cNvGrpSpPr/>
+        <p:nvPr/>
+      </p:nvGrpSpPr>
+      <p:grpSpPr>
+        <a:xfrm>
+          <a:off x="0" y="0"/>
+          <a:ext cx="0" cy="0"/>
+          <a:chOff x="0" y="0"/>
+          <a:chExt cx="0" cy="0"/>
+        </a:xfrm>
+      </p:grpSpPr>
+      <p:sp>
+        <p:nvSpPr>
+          <p:cNvPr id="2" name="タイトル 1"/>
+          <p:cNvSpPr>
+            <a:spLocks noGrp="1"/>
+          </p:cNvSpPr>
+          <p:nvPr>
+            <p:ph type="title"/>
+          </p:nvPr>
+        </p:nvSpPr>
+        <p:spPr>
+          <a:xfrm>
+            <a:off x="539552" y="2270384"/>
+            <a:ext cx="8229600" cy="990600"/>
+          </a:xfrm>
+        </p:spPr>
+        <p:txBody>
+          <a:bodyPr>
+            <a:noAutofit/>
+          </a:bodyPr>
+          <a:lstStyle/>
+          <a:p>
+            <a:r>
+              <a:rPr kumimoji="1" lang="ja-JP" altLang="en-US" sz="6000" dirty="0" smtClean="0"/>
+              <a:t>いやちょっとまて</a:t>
+            </a:r>
+            <a:endParaRPr kumimoji="1" lang="ja-JP" altLang="en-US" sz="6000" dirty="0"/>
+          </a:p>
+        </p:txBody>
+      </p:sp>
+      <p:sp>
+        <p:nvSpPr>
+          <p:cNvPr id="3" name="コンテンツ プレースホルダー 2"/>
+          <p:cNvSpPr>
+            <a:spLocks noGrp="1"/>
+          </p:cNvSpPr>
+          <p:nvPr>
+            <p:ph idx="1"/>
+          </p:nvPr>
+        </p:nvSpPr>
+        <p:spPr>
+          <a:xfrm>
+            <a:off x="494976" y="3591304"/>
+            <a:ext cx="8229600" cy="4876800"/>
+          </a:xfrm>
+        </p:spPr>
+        <p:txBody>
+          <a:bodyPr>
+            <a:normAutofit/>
+          </a:bodyPr>
+          <a:lstStyle/>
+          <a:p>
+            <a:pPr marL="0" indent="0">
+              <a:buNone/>
+            </a:pPr>
+            <a:r>
+              <a:rPr kumimoji="1" lang="ja-JP" altLang="en-US" dirty="0" smtClean="0"/>
+              <a:t> そもそも何ができるの？</a:t>
+            </a:r>
+            <a:endParaRPr kumimoji="1" lang="en-US" altLang="ja-JP" dirty="0" smtClean="0"/>
+          </a:p>
+        </p:txBody>
+      </p:sp>
+    </p:spTree>
+    <p:extLst>
+      <p:ext uri="{BB962C8B-B14F-4D97-AF65-F5344CB8AC3E}">
+        <p14:creationId xmlns:p14="http://schemas.microsoft.com/office/powerpoint/2010/main" val="1667209837"/>
+      </p:ext>
+    </p:extLst>
+  </p:cSld>
+  <p:clrMapOvr>
+    <a:masterClrMapping/>
+  </p:clrMapOvr>
+  <p:timing>
+    <p:tnLst>
+      <p:par>
+        <p:cTn id="1" dur="indefinite" restart="never" nodeType="tmRoot"/>
+      </p:par>
+    </p:tnLst>
+  </p:timing>
+</p:sld>
+</file>
+
+<file path=ppt/slides/slide14.xml><?xml version="1.0" encoding="utf-8"?>
+<p:sld xmlns:a="http://schemas.openxmlformats.org/drawingml/2006/main" xmlns:r="http://schemas.openxmlformats.org/officeDocument/2006/relationships" xmlns:p="http://schemas.openxmlformats.org/presentationml/2006/main">
+  <p:cSld>
+    <p:bg>
+      <p:bgPr>
+        <a:noFill/>
+        <a:effectLst/>
+      </p:bgPr>
+    </p:bg>
+    <p:spTree>
+      <p:nvGrpSpPr>
+        <p:cNvPr id="1" name=""/>
+        <p:cNvGrpSpPr/>
+        <p:nvPr/>
+      </p:nvGrpSpPr>
+      <p:grpSpPr>
+        <a:xfrm>
+          <a:off x="0" y="0"/>
+          <a:ext cx="0" cy="0"/>
+          <a:chOff x="0" y="0"/>
+          <a:chExt cx="0" cy="0"/>
+        </a:xfrm>
+      </p:grpSpPr>
+      <p:sp>
+        <p:nvSpPr>
+          <p:cNvPr id="2" name="タイトル 1"/>
+          <p:cNvSpPr>
+            <a:spLocks noGrp="1"/>
+          </p:cNvSpPr>
+          <p:nvPr>
+            <p:ph type="title"/>
+          </p:nvPr>
+        </p:nvSpPr>
+        <p:spPr/>
+        <p:txBody>
+          <a:bodyPr/>
+          <a:lstStyle/>
+          <a:p>
+            <a:r>
+              <a:rPr kumimoji="1" lang="ja-JP" altLang="en-US" dirty="0" smtClean="0"/>
+              <a:t>できること </a:t>
+            </a:r>
+            <a:r>
+              <a:rPr lang="en-US" altLang="ja-JP" sz="1800" dirty="0" smtClean="0"/>
+              <a:t>by Wikipedia</a:t>
+            </a:r>
+            <a:endParaRPr kumimoji="1" lang="ja-JP" altLang="en-US" dirty="0"/>
+          </a:p>
+        </p:txBody>
+      </p:sp>
+      <p:graphicFrame>
+        <p:nvGraphicFramePr>
+          <p:cNvPr id="4" name="表 3"/>
+          <p:cNvGraphicFramePr>
+            <a:graphicFrameLocks noGrp="1"/>
+          </p:cNvGraphicFramePr>
+          <p:nvPr>
+            <p:extLst>
+              <p:ext uri="{D42A27DB-BD31-4B8C-83A1-F6EECF244321}">
+                <p14:modId xmlns:p14="http://schemas.microsoft.com/office/powerpoint/2010/main" val="298295152"/>
+              </p:ext>
+            </p:extLst>
+          </p:nvPr>
+        </p:nvGraphicFramePr>
+        <p:xfrm>
+          <a:off x="755576" y="1916832"/>
+          <a:ext cx="7741778" cy="3566160"/>
+        </p:xfrm>
+        <a:graphic>
+          <a:graphicData uri="http://schemas.openxmlformats.org/drawingml/2006/table">
+            <a:tbl>
+              <a:tblPr/>
+              <a:tblGrid>
+                <a:gridCol w="3870889"/>
+                <a:gridCol w="3870889"/>
+              </a:tblGrid>
+              <a:tr h="0">
+                <a:tc>
+                  <a:txBody>
+                    <a:bodyPr/>
+                    <a:lstStyle/>
+                    <a:p>
+                      <a:pPr algn="l">
+                        <a:buFont typeface="Arial"/>
+                        <a:buChar char="•"/>
+                      </a:pPr>
+                      <a:r>
+                        <a:rPr lang="ja-JP" altLang="en-US" u="none" strike="noStrike" dirty="0">
+                          <a:solidFill>
+                            <a:schemeClr val="tx1"/>
+                          </a:solidFill>
+                          <a:effectLst/>
+                          <a:hlinkClick r:id="rId2" tooltip="機械知覚 (存在しないページ)"/>
+                        </a:rPr>
+                        <a:t>機械</a:t>
+                      </a:r>
+                      <a:r>
+                        <a:rPr lang="ja-JP" altLang="en-US" u="none" strike="noStrike" dirty="0" smtClean="0">
+                          <a:solidFill>
+                            <a:schemeClr val="tx1"/>
+                          </a:solidFill>
+                          <a:effectLst/>
+                          <a:hlinkClick r:id="rId2" tooltip="機械知覚 (存在しないページ)"/>
+                        </a:rPr>
+                        <a:t>知覚</a:t>
+                      </a:r>
+                      <a:endParaRPr lang="ja-JP" altLang="en-US" dirty="0">
+                        <a:solidFill>
+                          <a:schemeClr val="tx1"/>
+                        </a:solidFill>
+                        <a:effectLst/>
+                      </a:endParaRPr>
+                    </a:p>
+                    <a:p>
+                      <a:pPr algn="l">
+                        <a:buFont typeface="Arial"/>
+                        <a:buChar char="•"/>
+                      </a:pPr>
+                      <a:r>
+                        <a:rPr lang="ja-JP" altLang="en-US" u="none" strike="noStrike" dirty="0">
+                          <a:solidFill>
+                            <a:schemeClr val="tx1"/>
+                          </a:solidFill>
+                          <a:effectLst/>
+                          <a:hlinkClick r:id="rId3" tooltip="コンピュータビジョン"/>
+                        </a:rPr>
+                        <a:t>コンピュータビジョン</a:t>
+                      </a:r>
+                      <a:endParaRPr lang="ja-JP" altLang="en-US" dirty="0">
+                        <a:solidFill>
+                          <a:schemeClr val="tx1"/>
+                        </a:solidFill>
+                        <a:effectLst/>
+                      </a:endParaRPr>
+                    </a:p>
+                    <a:p>
+                      <a:pPr algn="l">
+                        <a:buFont typeface="Arial"/>
+                        <a:buChar char="•"/>
+                      </a:pPr>
+                      <a:r>
+                        <a:rPr lang="ja-JP" altLang="en-US" u="none" strike="noStrike" dirty="0">
+                          <a:solidFill>
+                            <a:schemeClr val="tx1"/>
+                          </a:solidFill>
+                          <a:effectLst/>
+                          <a:hlinkClick r:id="rId4" tooltip="自然言語処理"/>
+                        </a:rPr>
+                        <a:t>自然言語処理</a:t>
+                      </a:r>
+                      <a:endParaRPr lang="ja-JP" altLang="en-US" dirty="0">
+                        <a:solidFill>
+                          <a:schemeClr val="tx1"/>
+                        </a:solidFill>
+                        <a:effectLst/>
+                      </a:endParaRPr>
+                    </a:p>
+                    <a:p>
+                      <a:pPr algn="l">
+                        <a:buFont typeface="Arial"/>
+                        <a:buChar char="•"/>
+                      </a:pPr>
+                      <a:r>
+                        <a:rPr lang="ja-JP" altLang="en-US" u="none" strike="noStrike" dirty="0">
+                          <a:solidFill>
+                            <a:schemeClr val="tx1"/>
+                          </a:solidFill>
+                          <a:effectLst/>
+                          <a:hlinkClick r:id="rId5" tooltip="統語的パターン認識 (存在しないページ)"/>
+                        </a:rPr>
+                        <a:t>統語的パターン</a:t>
+                      </a:r>
+                      <a:r>
+                        <a:rPr lang="ja-JP" altLang="en-US" u="none" strike="noStrike" dirty="0" smtClean="0">
+                          <a:solidFill>
+                            <a:schemeClr val="tx1"/>
+                          </a:solidFill>
+                          <a:effectLst/>
+                          <a:hlinkClick r:id="rId5" tooltip="統語的パターン認識 (存在しないページ)"/>
+                        </a:rPr>
+                        <a:t>認識</a:t>
+                      </a:r>
+                      <a:endParaRPr lang="ja-JP" altLang="en-US" dirty="0">
+                        <a:solidFill>
+                          <a:schemeClr val="tx1"/>
+                        </a:solidFill>
+                        <a:effectLst/>
+                      </a:endParaRPr>
+                    </a:p>
+                    <a:p>
+                      <a:pPr algn="l">
+                        <a:buFont typeface="Arial"/>
+                        <a:buChar char="•"/>
+                      </a:pPr>
+                      <a:r>
+                        <a:rPr lang="ja-JP" altLang="en-US" u="none" strike="noStrike" dirty="0">
+                          <a:solidFill>
+                            <a:schemeClr val="tx1"/>
+                          </a:solidFill>
+                          <a:effectLst/>
+                          <a:hlinkClick r:id="rId6" tooltip="検索エンジン"/>
+                        </a:rPr>
+                        <a:t>検索エンジン</a:t>
+                      </a:r>
+                      <a:endParaRPr lang="ja-JP" altLang="en-US" dirty="0">
+                        <a:solidFill>
+                          <a:schemeClr val="tx1"/>
+                        </a:solidFill>
+                        <a:effectLst/>
+                      </a:endParaRPr>
+                    </a:p>
+                    <a:p>
+                      <a:pPr algn="l">
+                        <a:buFont typeface="Arial"/>
+                        <a:buChar char="•"/>
+                      </a:pPr>
+                      <a:r>
+                        <a:rPr lang="ja-JP" altLang="en-US" dirty="0">
+                          <a:solidFill>
+                            <a:schemeClr val="tx1"/>
+                          </a:solidFill>
+                          <a:effectLst/>
+                        </a:rPr>
+                        <a:t>（人工知能による）</a:t>
+                      </a:r>
+                      <a:r>
+                        <a:rPr lang="ja-JP" altLang="en-US" u="none" strike="noStrike" dirty="0">
+                          <a:solidFill>
+                            <a:schemeClr val="tx1"/>
+                          </a:solidFill>
+                          <a:effectLst/>
+                          <a:hlinkClick r:id="rId7" tooltip="診断"/>
+                        </a:rPr>
+                        <a:t>診断</a:t>
+                      </a:r>
+                      <a:endParaRPr lang="ja-JP" altLang="en-US" dirty="0">
+                        <a:solidFill>
+                          <a:schemeClr val="tx1"/>
+                        </a:solidFill>
+                        <a:effectLst/>
+                      </a:endParaRPr>
+                    </a:p>
+                    <a:p>
+                      <a:pPr algn="l">
+                        <a:buFont typeface="Arial"/>
+                        <a:buChar char="•"/>
+                      </a:pPr>
+                      <a:r>
+                        <a:rPr lang="ja-JP" altLang="en-US" u="none" strike="noStrike" dirty="0">
+                          <a:solidFill>
+                            <a:schemeClr val="tx1"/>
+                          </a:solidFill>
+                          <a:effectLst/>
+                          <a:hlinkClick r:id="rId8" tooltip="バイオインフォマティクス"/>
+                        </a:rPr>
+                        <a:t>バイオインフォマティクス</a:t>
+                      </a:r>
+                      <a:endParaRPr lang="ja-JP" altLang="en-US" dirty="0">
+                        <a:solidFill>
+                          <a:schemeClr val="tx1"/>
+                        </a:solidFill>
+                        <a:effectLst/>
+                      </a:endParaRPr>
+                    </a:p>
+                    <a:p>
+                      <a:pPr algn="l">
+                        <a:buFont typeface="Arial"/>
+                        <a:buChar char="•"/>
+                      </a:pPr>
+                      <a:r>
+                        <a:rPr lang="ja-JP" altLang="en-US" u="none" strike="noStrike" dirty="0">
+                          <a:solidFill>
+                            <a:schemeClr val="tx1"/>
+                          </a:solidFill>
+                          <a:effectLst/>
+                          <a:hlinkClick r:id="rId9" tooltip="ブレイン・マシン・インタフェース"/>
+                        </a:rPr>
+                        <a:t>ブレイン・マシン・インタフェース</a:t>
+                      </a:r>
+                      <a:endParaRPr lang="ja-JP" altLang="en-US" dirty="0">
+                        <a:solidFill>
+                          <a:schemeClr val="tx1"/>
+                        </a:solidFill>
+                        <a:effectLst/>
+                      </a:endParaRPr>
+                    </a:p>
+                    <a:p>
+                      <a:pPr algn="l">
+                        <a:buFont typeface="Arial"/>
+                        <a:buChar char="•"/>
+                      </a:pPr>
+                      <a:r>
+                        <a:rPr lang="ja-JP" altLang="en-US" u="none" strike="noStrike" dirty="0">
+                          <a:solidFill>
+                            <a:schemeClr val="tx1"/>
+                          </a:solidFill>
+                          <a:effectLst/>
+                          <a:hlinkClick r:id="rId10" tooltip="ケモインフォマティクス"/>
+                        </a:rPr>
+                        <a:t>ケモインフォマティクス</a:t>
+                      </a:r>
+                      <a:endParaRPr lang="ja-JP" altLang="en-US" dirty="0">
+                        <a:solidFill>
+                          <a:schemeClr val="tx1"/>
+                        </a:solidFill>
+                        <a:effectLst/>
+                      </a:endParaRPr>
+                    </a:p>
+                    <a:p>
+                      <a:pPr algn="l">
+                        <a:buFont typeface="Arial"/>
+                        <a:buChar char="•"/>
+                      </a:pPr>
+                      <a:r>
+                        <a:rPr lang="ja-JP" altLang="en-US" u="none" strike="noStrike" dirty="0">
+                          <a:solidFill>
+                            <a:schemeClr val="tx1"/>
+                          </a:solidFill>
+                          <a:effectLst/>
+                          <a:hlinkClick r:id="rId11" tooltip="クレジットカード詐欺"/>
+                        </a:rPr>
+                        <a:t>クレジットカード</a:t>
+                      </a:r>
+                      <a:r>
+                        <a:rPr lang="ja-JP" altLang="en-US" u="none" strike="noStrike" dirty="0" smtClean="0">
+                          <a:solidFill>
+                            <a:schemeClr val="tx1"/>
+                          </a:solidFill>
+                          <a:effectLst/>
+                          <a:hlinkClick r:id="rId11" tooltip="クレジットカード詐欺"/>
+                        </a:rPr>
+                        <a:t>詐欺</a:t>
+                      </a:r>
+                      <a:r>
+                        <a:rPr lang="ja-JP" altLang="en-US" dirty="0" smtClean="0">
+                          <a:solidFill>
+                            <a:schemeClr val="tx1"/>
+                          </a:solidFill>
+                          <a:effectLst/>
+                        </a:rPr>
+                        <a:t>の</a:t>
+                      </a:r>
+                      <a:r>
+                        <a:rPr lang="ja-JP" altLang="en-US" dirty="0">
+                          <a:solidFill>
+                            <a:schemeClr val="tx1"/>
+                          </a:solidFill>
+                          <a:effectLst/>
+                        </a:rPr>
+                        <a:t>検出</a:t>
+                      </a:r>
+                    </a:p>
+                    <a:p>
+                      <a:pPr algn="l">
+                        <a:buFont typeface="Arial"/>
+                        <a:buChar char="•"/>
+                      </a:pPr>
+                      <a:r>
+                        <a:rPr lang="ja-JP" altLang="en-US" u="none" strike="noStrike" dirty="0">
+                          <a:solidFill>
+                            <a:schemeClr val="tx1"/>
+                          </a:solidFill>
+                          <a:effectLst/>
+                          <a:hlinkClick r:id="rId12" tooltip="証券市場"/>
+                        </a:rPr>
+                        <a:t>証券市場</a:t>
+                      </a:r>
+                      <a:r>
+                        <a:rPr lang="ja-JP" altLang="en-US" dirty="0">
+                          <a:solidFill>
+                            <a:schemeClr val="tx1"/>
+                          </a:solidFill>
+                          <a:effectLst/>
+                        </a:rPr>
+                        <a:t>分析</a:t>
+                      </a:r>
+                    </a:p>
+                    <a:p>
+                      <a:pPr algn="l">
+                        <a:buFont typeface="Arial"/>
+                        <a:buChar char="•"/>
+                      </a:pPr>
+                      <a:r>
+                        <a:rPr lang="ja-JP" altLang="en-US" u="none" strike="noStrike" dirty="0">
+                          <a:solidFill>
+                            <a:schemeClr val="tx1"/>
+                          </a:solidFill>
+                          <a:effectLst/>
+                          <a:hlinkClick r:id="rId13" tooltip="塩基配列"/>
+                        </a:rPr>
+                        <a:t>塩基配列</a:t>
+                      </a:r>
+                      <a:r>
+                        <a:rPr lang="ja-JP" altLang="en-US" dirty="0">
+                          <a:solidFill>
+                            <a:schemeClr val="tx1"/>
+                          </a:solidFill>
+                          <a:effectLst/>
+                        </a:rPr>
+                        <a:t>の分類</a:t>
+                      </a:r>
+                    </a:p>
+                    <a:p>
+                      <a:pPr algn="l">
+                        <a:buFont typeface="Arial"/>
+                        <a:buChar char="•"/>
+                      </a:pPr>
+                      <a:r>
+                        <a:rPr lang="ja-JP" altLang="en-US" u="none" strike="noStrike" dirty="0" smtClean="0">
+                          <a:solidFill>
+                            <a:schemeClr val="tx1"/>
+                          </a:solidFill>
+                          <a:effectLst/>
+                          <a:hlinkClick r:id="rId14" tooltip="シーケンスマイニング (存在しないページ)"/>
+                        </a:rPr>
+                        <a:t>シーケンスマイニング</a:t>
+                      </a:r>
+                      <a:endParaRPr lang="ja-JP" altLang="en-US" dirty="0">
+                        <a:solidFill>
+                          <a:schemeClr val="tx1"/>
+                        </a:solidFill>
+                        <a:effectLst/>
+                      </a:endParaRPr>
+                    </a:p>
+                  </a:txBody>
+                  <a:tcPr marL="0" marR="0" marT="0" marB="0">
+                    <a:lnL>
+                      <a:noFill/>
+                    </a:lnL>
+                    <a:lnR>
+                      <a:noFill/>
+                    </a:lnR>
+                    <a:lnT>
+                      <a:noFill/>
+                    </a:lnT>
+                    <a:lnB>
+                      <a:noFill/>
+                    </a:lnB>
+                  </a:tcPr>
+                </a:tc>
+                <a:tc>
+                  <a:txBody>
+                    <a:bodyPr/>
+                    <a:lstStyle/>
+                    <a:p>
+                      <a:pPr algn="l">
+                        <a:buFont typeface="Arial"/>
+                        <a:buChar char="•"/>
+                      </a:pPr>
+                      <a:r>
+                        <a:rPr lang="ja-JP" altLang="en-US" u="none" strike="noStrike" dirty="0">
+                          <a:solidFill>
+                            <a:schemeClr val="tx1"/>
+                          </a:solidFill>
+                          <a:effectLst/>
+                          <a:hlinkClick r:id="rId15" tooltip="音声認識"/>
+                        </a:rPr>
+                        <a:t>音声認識</a:t>
+                      </a:r>
+                      <a:r>
+                        <a:rPr lang="ja-JP" altLang="en-US" dirty="0">
+                          <a:solidFill>
+                            <a:schemeClr val="tx1"/>
+                          </a:solidFill>
+                          <a:effectLst/>
+                        </a:rPr>
+                        <a:t>と</a:t>
+                      </a:r>
+                      <a:r>
+                        <a:rPr lang="ja-JP" altLang="en-US" u="none" strike="noStrike" dirty="0">
+                          <a:solidFill>
+                            <a:schemeClr val="tx1"/>
+                          </a:solidFill>
+                          <a:effectLst/>
+                          <a:hlinkClick r:id="rId16" tooltip="手書き文字認識"/>
+                        </a:rPr>
+                        <a:t>手書き文字認識</a:t>
+                      </a:r>
+                      <a:endParaRPr lang="ja-JP" altLang="en-US" dirty="0">
+                        <a:solidFill>
+                          <a:schemeClr val="tx1"/>
+                        </a:solidFill>
+                        <a:effectLst/>
+                      </a:endParaRPr>
+                    </a:p>
+                    <a:p>
+                      <a:pPr algn="l">
+                        <a:buFont typeface="Arial"/>
+                        <a:buChar char="•"/>
+                      </a:pPr>
+                      <a:r>
+                        <a:rPr lang="ja-JP" altLang="en-US" u="none" strike="noStrike" dirty="0">
+                          <a:solidFill>
+                            <a:schemeClr val="tx1"/>
+                          </a:solidFill>
+                          <a:effectLst/>
+                          <a:hlinkClick r:id="rId17" tooltip="物体認識"/>
+                        </a:rPr>
+                        <a:t>物体認識</a:t>
+                      </a:r>
+                      <a:r>
+                        <a:rPr lang="ja-JP" altLang="en-US" dirty="0">
+                          <a:solidFill>
+                            <a:schemeClr val="tx1"/>
+                          </a:solidFill>
+                          <a:effectLst/>
+                        </a:rPr>
+                        <a:t> （</a:t>
+                      </a:r>
+                      <a:r>
+                        <a:rPr lang="ja-JP" altLang="en-US" u="none" strike="noStrike" dirty="0">
+                          <a:solidFill>
+                            <a:schemeClr val="tx1"/>
+                          </a:solidFill>
+                          <a:effectLst/>
+                          <a:hlinkClick r:id="rId3" tooltip="コンピュータビジョン"/>
+                        </a:rPr>
+                        <a:t>コンピュータビジョン</a:t>
+                      </a:r>
+                      <a:r>
+                        <a:rPr lang="ja-JP" altLang="en-US" dirty="0">
+                          <a:solidFill>
+                            <a:schemeClr val="tx1"/>
+                          </a:solidFill>
+                          <a:effectLst/>
+                        </a:rPr>
+                        <a:t>）</a:t>
+                      </a:r>
+                    </a:p>
+                    <a:p>
+                      <a:pPr algn="l">
+                        <a:buFont typeface="Arial"/>
+                        <a:buChar char="•"/>
+                      </a:pPr>
+                      <a:r>
+                        <a:rPr lang="ja-JP" altLang="en-US" u="none" strike="noStrike" dirty="0">
+                          <a:solidFill>
+                            <a:schemeClr val="tx1"/>
+                          </a:solidFill>
+                          <a:effectLst/>
+                          <a:hlinkClick r:id="rId18" tooltip="ストラテジーゲーム"/>
+                        </a:rPr>
+                        <a:t>ゲームプレイ</a:t>
+                      </a:r>
+                      <a:endParaRPr lang="ja-JP" altLang="en-US" dirty="0">
+                        <a:solidFill>
+                          <a:schemeClr val="tx1"/>
+                        </a:solidFill>
+                        <a:effectLst/>
+                      </a:endParaRPr>
+                    </a:p>
+                    <a:p>
+                      <a:pPr algn="l">
+                        <a:buFont typeface="Arial"/>
+                        <a:buChar char="•"/>
+                      </a:pPr>
+                      <a:r>
+                        <a:rPr lang="ja-JP" altLang="en-US" u="none" strike="noStrike" dirty="0">
+                          <a:solidFill>
+                            <a:schemeClr val="tx1"/>
+                          </a:solidFill>
+                          <a:effectLst/>
+                          <a:hlinkClick r:id="rId19" tooltip="ソフトウェア工学"/>
+                        </a:rPr>
+                        <a:t>ソフトウェア工学</a:t>
+                      </a:r>
+                      <a:endParaRPr lang="ja-JP" altLang="en-US" dirty="0">
+                        <a:solidFill>
+                          <a:schemeClr val="tx1"/>
+                        </a:solidFill>
+                        <a:effectLst/>
+                      </a:endParaRPr>
+                    </a:p>
+                    <a:p>
+                      <a:pPr algn="l">
+                        <a:buFont typeface="Arial"/>
+                        <a:buChar char="•"/>
+                      </a:pPr>
+                      <a:r>
+                        <a:rPr lang="ja-JP" altLang="en-US" u="none" strike="noStrike" dirty="0">
+                          <a:solidFill>
+                            <a:schemeClr val="tx1"/>
+                          </a:solidFill>
+                          <a:effectLst/>
+                          <a:hlinkClick r:id="rId20" tooltip="適応型ウェブサイト (存在しないページ)"/>
+                        </a:rPr>
+                        <a:t>適応型</a:t>
+                      </a:r>
+                      <a:r>
+                        <a:rPr lang="ja-JP" altLang="en-US" u="none" strike="noStrike" dirty="0" smtClean="0">
+                          <a:solidFill>
+                            <a:schemeClr val="tx1"/>
+                          </a:solidFill>
+                          <a:effectLst/>
+                          <a:hlinkClick r:id="rId20" tooltip="適応型ウェブサイト (存在しないページ)"/>
+                        </a:rPr>
+                        <a:t>ウェブサイト</a:t>
+                      </a:r>
+                      <a:endParaRPr lang="ja-JP" altLang="en-US" dirty="0">
+                        <a:solidFill>
+                          <a:schemeClr val="tx1"/>
+                        </a:solidFill>
+                        <a:effectLst/>
+                      </a:endParaRPr>
+                    </a:p>
+                    <a:p>
+                      <a:pPr algn="l">
+                        <a:buFont typeface="Arial"/>
+                        <a:buChar char="•"/>
+                      </a:pPr>
+                      <a:r>
+                        <a:rPr lang="ja-JP" altLang="en-US" u="none" strike="noStrike" dirty="0">
+                          <a:solidFill>
+                            <a:schemeClr val="tx1"/>
+                          </a:solidFill>
+                          <a:effectLst/>
+                          <a:hlinkClick r:id="rId21" tooltip="移動ロボット (存在しないページ)"/>
+                        </a:rPr>
+                        <a:t>移動</a:t>
+                      </a:r>
+                      <a:r>
+                        <a:rPr lang="ja-JP" altLang="en-US" u="none" strike="noStrike" dirty="0" smtClean="0">
+                          <a:solidFill>
+                            <a:schemeClr val="tx1"/>
+                          </a:solidFill>
+                          <a:effectLst/>
+                          <a:hlinkClick r:id="rId21" tooltip="移動ロボット (存在しないページ)"/>
+                        </a:rPr>
+                        <a:t>ロボット</a:t>
+                      </a:r>
+                      <a:endParaRPr lang="ja-JP" altLang="en-US" dirty="0">
+                        <a:solidFill>
+                          <a:schemeClr val="tx1"/>
+                        </a:solidFill>
+                        <a:effectLst/>
+                      </a:endParaRPr>
+                    </a:p>
+                    <a:p>
+                      <a:pPr algn="l">
+                        <a:buFont typeface="Arial"/>
+                        <a:buChar char="•"/>
+                      </a:pPr>
+                      <a:r>
+                        <a:rPr lang="ja-JP" altLang="en-US" u="none" strike="noStrike" dirty="0">
+                          <a:solidFill>
+                            <a:schemeClr val="tx1"/>
+                          </a:solidFill>
+                          <a:effectLst/>
+                          <a:hlinkClick r:id="rId22" tooltip="金融工学"/>
+                        </a:rPr>
+                        <a:t>金融工学</a:t>
+                      </a:r>
+                      <a:endParaRPr lang="ja-JP" altLang="en-US" dirty="0">
+                        <a:solidFill>
+                          <a:schemeClr val="tx1"/>
+                        </a:solidFill>
+                        <a:effectLst/>
+                      </a:endParaRPr>
+                    </a:p>
+                    <a:p>
+                      <a:pPr algn="l">
+                        <a:buFont typeface="Arial"/>
+                        <a:buChar char="•"/>
+                      </a:pPr>
+                      <a:r>
+                        <a:rPr lang="ja-JP" altLang="en-US" u="none" strike="noStrike" dirty="0">
+                          <a:solidFill>
+                            <a:schemeClr val="tx1"/>
+                          </a:solidFill>
+                          <a:effectLst/>
+                          <a:hlinkClick r:id="rId23" tooltip="構造ヘルスモニタリング (存在しないページ)"/>
+                        </a:rPr>
+                        <a:t>構造</a:t>
+                      </a:r>
+                      <a:r>
+                        <a:rPr lang="ja-JP" altLang="en-US" u="none" strike="noStrike" dirty="0" smtClean="0">
+                          <a:solidFill>
+                            <a:schemeClr val="tx1"/>
+                          </a:solidFill>
+                          <a:effectLst/>
+                          <a:hlinkClick r:id="rId23" tooltip="構造ヘルスモニタリング (存在しないページ)"/>
+                        </a:rPr>
+                        <a:t>ヘルスモニタリング</a:t>
+                      </a:r>
+                      <a:endParaRPr lang="ja-JP" altLang="en-US" dirty="0">
+                        <a:solidFill>
+                          <a:schemeClr val="tx1"/>
+                        </a:solidFill>
+                        <a:effectLst/>
+                      </a:endParaRPr>
+                    </a:p>
+                    <a:p>
+                      <a:pPr algn="l">
+                        <a:buFont typeface="Arial"/>
+                        <a:buChar char="•"/>
+                      </a:pPr>
+                      <a:r>
+                        <a:rPr lang="ja-JP" altLang="en-US" u="none" strike="noStrike" dirty="0">
+                          <a:solidFill>
+                            <a:schemeClr val="tx1"/>
+                          </a:solidFill>
+                          <a:effectLst/>
+                          <a:hlinkClick r:id="rId24" tooltip="感情分析 (存在しないページ)"/>
+                        </a:rPr>
+                        <a:t>感情</a:t>
+                      </a:r>
+                      <a:r>
+                        <a:rPr lang="ja-JP" altLang="en-US" u="none" strike="noStrike" dirty="0" smtClean="0">
+                          <a:solidFill>
+                            <a:schemeClr val="tx1"/>
+                          </a:solidFill>
+                          <a:effectLst/>
+                          <a:hlinkClick r:id="rId24" tooltip="感情分析 (存在しないページ)"/>
+                        </a:rPr>
+                        <a:t>分析</a:t>
+                      </a:r>
+                      <a:r>
+                        <a:rPr lang="ja-JP" altLang="en-US" dirty="0" smtClean="0">
+                          <a:solidFill>
+                            <a:schemeClr val="tx1"/>
+                          </a:solidFill>
+                          <a:effectLst/>
+                        </a:rPr>
+                        <a:t>（</a:t>
+                      </a:r>
+                      <a:r>
+                        <a:rPr lang="ja-JP" altLang="en-US" dirty="0">
+                          <a:solidFill>
+                            <a:schemeClr val="tx1"/>
+                          </a:solidFill>
+                          <a:effectLst/>
+                        </a:rPr>
+                        <a:t>意見マイニング）</a:t>
+                      </a:r>
+                    </a:p>
+                    <a:p>
+                      <a:pPr algn="l">
+                        <a:buFont typeface="Arial"/>
+                        <a:buChar char="•"/>
+                      </a:pPr>
+                      <a:r>
+                        <a:rPr lang="ja-JP" altLang="en-US" u="none" strike="noStrike" dirty="0">
+                          <a:solidFill>
+                            <a:schemeClr val="tx1"/>
+                          </a:solidFill>
+                          <a:effectLst/>
+                          <a:hlinkClick r:id="rId25" tooltip="感情コンピューティング (存在しないページ)"/>
+                        </a:rPr>
+                        <a:t>感情</a:t>
+                      </a:r>
+                      <a:r>
+                        <a:rPr lang="ja-JP" altLang="en-US" u="none" strike="noStrike" dirty="0" smtClean="0">
+                          <a:solidFill>
+                            <a:schemeClr val="tx1"/>
+                          </a:solidFill>
+                          <a:effectLst/>
+                          <a:hlinkClick r:id="rId25" tooltip="感情コンピューティング (存在しないページ)"/>
+                        </a:rPr>
+                        <a:t>コンピューティング</a:t>
+                      </a:r>
+                      <a:endParaRPr lang="ja-JP" altLang="en-US" dirty="0">
+                        <a:solidFill>
+                          <a:schemeClr val="tx1"/>
+                        </a:solidFill>
+                        <a:effectLst/>
+                      </a:endParaRPr>
+                    </a:p>
+                    <a:p>
+                      <a:pPr algn="l">
+                        <a:buFont typeface="Arial"/>
+                        <a:buChar char="•"/>
+                      </a:pPr>
+                      <a:r>
+                        <a:rPr lang="ja-JP" altLang="en-US" u="none" strike="noStrike" dirty="0">
+                          <a:solidFill>
+                            <a:schemeClr val="tx1"/>
+                          </a:solidFill>
+                          <a:effectLst/>
+                          <a:hlinkClick r:id="rId26" tooltip="情報検索"/>
+                        </a:rPr>
+                        <a:t>情報検索</a:t>
+                      </a:r>
+                      <a:endParaRPr lang="ja-JP" altLang="en-US" dirty="0">
+                        <a:solidFill>
+                          <a:schemeClr val="tx1"/>
+                        </a:solidFill>
+                        <a:effectLst/>
+                      </a:endParaRPr>
+                    </a:p>
+                    <a:p>
+                      <a:pPr algn="l">
+                        <a:buFont typeface="Arial"/>
+                        <a:buChar char="•"/>
+                      </a:pPr>
+                      <a:r>
+                        <a:rPr lang="ja-JP" altLang="en-US" u="none" strike="noStrike" dirty="0">
+                          <a:solidFill>
+                            <a:schemeClr val="tx1"/>
+                          </a:solidFill>
+                          <a:effectLst/>
+                          <a:hlinkClick r:id="rId27" tooltip="レコメンダシステム"/>
+                        </a:rPr>
+                        <a:t>レコメンダシステム</a:t>
+                      </a:r>
+                      <a:endParaRPr lang="ja-JP" altLang="en-US" dirty="0">
+                        <a:solidFill>
+                          <a:schemeClr val="tx1"/>
+                        </a:solidFill>
+                        <a:effectLst/>
+                      </a:endParaRPr>
+                    </a:p>
+                  </a:txBody>
+                  <a:tcPr marL="0" marR="0" marT="0" marB="0">
+                    <a:lnL>
+                      <a:noFill/>
+                    </a:lnL>
+                    <a:lnR>
+                      <a:noFill/>
+                    </a:lnR>
+                    <a:lnT>
+                      <a:noFill/>
+                    </a:lnT>
+                    <a:lnB>
+                      <a:noFill/>
+                    </a:lnB>
+                  </a:tcPr>
+                </a:tc>
+              </a:tr>
+            </a:tbl>
+          </a:graphicData>
+        </a:graphic>
+      </p:graphicFrame>
+    </p:spTree>
+    <p:extLst>
+      <p:ext uri="{BB962C8B-B14F-4D97-AF65-F5344CB8AC3E}">
+        <p14:creationId xmlns:p14="http://schemas.microsoft.com/office/powerpoint/2010/main" val="431118917"/>
+      </p:ext>
+    </p:extLst>
+  </p:cSld>
+  <p:clrMapOvr>
+    <a:masterClrMapping/>
+  </p:clrMapOvr>
+  <p:timing>
+    <p:tnLst>
+      <p:par>
+        <p:cTn id="1" dur="indefinite" restart="never" nodeType="tmRoot"/>
+      </p:par>
+    </p:tnLst>
+  </p:timing>
+</p:sld>
+</file>
+
+<file path=ppt/slides/slide15.xml><?xml version="1.0" encoding="utf-8"?>
+<p:sld xmlns:a="http://schemas.openxmlformats.org/drawingml/2006/main" xmlns:r="http://schemas.openxmlformats.org/officeDocument/2006/relationships" xmlns:p="http://schemas.openxmlformats.org/presentationml/2006/main">
+  <p:cSld>
+    <p:spTree>
+      <p:nvGrpSpPr>
+        <p:cNvPr id="1" name=""/>
+        <p:cNvGrpSpPr/>
+        <p:nvPr/>
+      </p:nvGrpSpPr>
+      <p:grpSpPr>
+        <a:xfrm>
+          <a:off x="0" y="0"/>
+          <a:ext cx="0" cy="0"/>
+          <a:chOff x="0" y="0"/>
+          <a:chExt cx="0" cy="0"/>
+        </a:xfrm>
+      </p:grpSpPr>
+      <p:sp>
+        <p:nvSpPr>
+          <p:cNvPr id="2" name="タイトル 1"/>
+          <p:cNvSpPr>
+            <a:spLocks noGrp="1"/>
+          </p:cNvSpPr>
+          <p:nvPr>
+            <p:ph type="title"/>
+          </p:nvPr>
+        </p:nvSpPr>
+        <p:spPr/>
+        <p:txBody>
+          <a:bodyPr/>
+          <a:lstStyle/>
+          <a:p>
+            <a:r>
               <a:rPr kumimoji="1" lang="en-US" altLang="ja-JP" dirty="0" err="1" smtClean="0"/>
               <a:t>Scikit</a:t>
             </a:r>
@@ -4101,35 +5199,603 @@
             </a:r>
             <a:r>
               <a:rPr kumimoji="1" lang="ja-JP" altLang="en-US" dirty="0" smtClean="0"/>
+              <a:t>本家のチートシート</a:t>
+            </a:r>
+            <a:endParaRPr kumimoji="1" lang="ja-JP" altLang="en-US" dirty="0"/>
+          </a:p>
+        </p:txBody>
+      </p:sp>
+      <p:sp>
+        <p:nvSpPr>
+          <p:cNvPr id="3" name="コンテンツ プレースホルダー 2"/>
+          <p:cNvSpPr>
+            <a:spLocks noGrp="1"/>
+          </p:cNvSpPr>
+          <p:nvPr>
+            <p:ph idx="1"/>
+          </p:nvPr>
+        </p:nvSpPr>
+        <p:spPr/>
+        <p:txBody>
+          <a:bodyPr/>
+          <a:lstStyle/>
+          <a:p>
+            <a:endParaRPr kumimoji="1" lang="ja-JP" altLang="en-US"/>
+          </a:p>
+        </p:txBody>
+      </p:sp>
+      <p:pic>
+        <p:nvPicPr>
+          <p:cNvPr id="2050" name="Picture 2"/>
+          <p:cNvPicPr>
+            <a:picLocks noChangeAspect="1" noChangeArrowheads="1"/>
+          </p:cNvPicPr>
+          <p:nvPr/>
+        </p:nvPicPr>
+        <p:blipFill>
+          <a:blip r:embed="rId2" cstate="print">
+            <a:extLst>
+              <a:ext uri="{28A0092B-C50C-407E-A947-70E740481C1C}">
+                <a14:useLocalDpi xmlns:a14="http://schemas.microsoft.com/office/drawing/2010/main" val="0"/>
+              </a:ext>
+            </a:extLst>
+          </a:blip>
+          <a:srcRect/>
+          <a:stretch>
+            <a:fillRect/>
+          </a:stretch>
+        </p:blipFill>
+        <p:spPr bwMode="auto">
+          <a:xfrm>
+            <a:off x="231256" y="1340768"/>
+            <a:ext cx="8661224" cy="5400000"/>
+          </a:xfrm>
+          <a:prstGeom prst="rect">
+            <a:avLst/>
+          </a:prstGeom>
+          <a:noFill/>
+          <a:ln>
+            <a:noFill/>
+          </a:ln>
+          <a:extLst>
+            <a:ext uri="{909E8E84-426E-40DD-AFC4-6F175D3DCCD1}">
+              <a14:hiddenFill xmlns:a14="http://schemas.microsoft.com/office/drawing/2010/main">
+                <a:solidFill>
+                  <a:schemeClr val="accent1"/>
+                </a:solidFill>
+              </a14:hiddenFill>
+            </a:ext>
+            <a:ext uri="{91240B29-F687-4F45-9708-019B960494DF}">
+              <a14:hiddenLine xmlns:a14="http://schemas.microsoft.com/office/drawing/2010/main" w="9525">
+                <a:solidFill>
+                  <a:schemeClr val="tx1"/>
+                </a:solidFill>
+                <a:miter lim="800000"/>
+                <a:headEnd/>
+                <a:tailEnd/>
+              </a14:hiddenLine>
+            </a:ext>
+          </a:extLst>
+        </p:spPr>
+      </p:pic>
+    </p:spTree>
+    <p:extLst>
+      <p:ext uri="{BB962C8B-B14F-4D97-AF65-F5344CB8AC3E}">
+        <p14:creationId xmlns:p14="http://schemas.microsoft.com/office/powerpoint/2010/main" val="1643823524"/>
+      </p:ext>
+    </p:extLst>
+  </p:cSld>
+  <p:clrMapOvr>
+    <a:masterClrMapping/>
+  </p:clrMapOvr>
+  <p:timing>
+    <p:tnLst>
+      <p:par>
+        <p:cTn id="1" dur="indefinite" restart="never" nodeType="tmRoot"/>
+      </p:par>
+    </p:tnLst>
+  </p:timing>
+</p:sld>
+</file>
+
+<file path=ppt/slides/slide16.xml><?xml version="1.0" encoding="utf-8"?>
+<p:sld xmlns:a="http://schemas.openxmlformats.org/drawingml/2006/main" xmlns:r="http://schemas.openxmlformats.org/officeDocument/2006/relationships" xmlns:p="http://schemas.openxmlformats.org/presentationml/2006/main">
+  <p:cSld>
+    <p:spTree>
+      <p:nvGrpSpPr>
+        <p:cNvPr id="1" name=""/>
+        <p:cNvGrpSpPr/>
+        <p:nvPr/>
+      </p:nvGrpSpPr>
+      <p:grpSpPr>
+        <a:xfrm>
+          <a:off x="0" y="0"/>
+          <a:ext cx="0" cy="0"/>
+          <a:chOff x="0" y="0"/>
+          <a:chExt cx="0" cy="0"/>
+        </a:xfrm>
+      </p:grpSpPr>
+      <p:sp>
+        <p:nvSpPr>
+          <p:cNvPr id="2" name="タイトル 1"/>
+          <p:cNvSpPr>
+            <a:spLocks noGrp="1"/>
+          </p:cNvSpPr>
+          <p:nvPr>
+            <p:ph type="title"/>
+          </p:nvPr>
+        </p:nvSpPr>
+        <p:spPr/>
+        <p:txBody>
+          <a:bodyPr/>
+          <a:lstStyle/>
+          <a:p>
+            <a:r>
+              <a:rPr kumimoji="1" lang="en-US" altLang="ja-JP" dirty="0" err="1" smtClean="0"/>
+              <a:t>Scikit</a:t>
+            </a:r>
+            <a:r>
+              <a:rPr kumimoji="1" lang="en-US" altLang="ja-JP" dirty="0" smtClean="0"/>
+              <a:t>-learn</a:t>
+            </a:r>
+            <a:r>
+              <a:rPr kumimoji="1" lang="ja-JP" altLang="en-US" dirty="0" smtClean="0"/>
               <a:t>日本語チートシート</a:t>
             </a:r>
             <a:endParaRPr kumimoji="1" lang="ja-JP" altLang="en-US" dirty="0"/>
           </a:p>
         </p:txBody>
       </p:sp>
-      <p:sp>
-        <p:nvSpPr>
-          <p:cNvPr id="3" name="コンテンツ プレースホルダー 2"/>
-          <p:cNvSpPr>
-            <a:spLocks noGrp="1"/>
-          </p:cNvSpPr>
-          <p:nvPr>
-            <p:ph idx="1"/>
-          </p:nvPr>
-        </p:nvSpPr>
-        <p:spPr/>
-        <p:txBody>
-          <a:bodyPr/>
-          <a:lstStyle/>
-          <a:p>
-            <a:endParaRPr kumimoji="1" lang="ja-JP" altLang="en-US"/>
-          </a:p>
-        </p:txBody>
-      </p:sp>
+      <p:pic>
+        <p:nvPicPr>
+          <p:cNvPr id="1027" name="Picture 3"/>
+          <p:cNvPicPr>
+            <a:picLocks noChangeAspect="1" noChangeArrowheads="1"/>
+          </p:cNvPicPr>
+          <p:nvPr/>
+        </p:nvPicPr>
+        <p:blipFill>
+          <a:blip r:embed="rId2" cstate="print">
+            <a:extLst>
+              <a:ext uri="{28A0092B-C50C-407E-A947-70E740481C1C}">
+                <a14:useLocalDpi xmlns:a14="http://schemas.microsoft.com/office/drawing/2010/main" val="0"/>
+              </a:ext>
+            </a:extLst>
+          </a:blip>
+          <a:srcRect/>
+          <a:stretch>
+            <a:fillRect/>
+          </a:stretch>
+        </p:blipFill>
+        <p:spPr bwMode="auto">
+          <a:xfrm>
+            <a:off x="231256" y="1341368"/>
+            <a:ext cx="8661224" cy="5400000"/>
+          </a:xfrm>
+          <a:prstGeom prst="rect">
+            <a:avLst/>
+          </a:prstGeom>
+          <a:noFill/>
+          <a:ln>
+            <a:noFill/>
+          </a:ln>
+          <a:extLst>
+            <a:ext uri="{909E8E84-426E-40DD-AFC4-6F175D3DCCD1}">
+              <a14:hiddenFill xmlns:a14="http://schemas.microsoft.com/office/drawing/2010/main">
+                <a:solidFill>
+                  <a:schemeClr val="accent1"/>
+                </a:solidFill>
+              </a14:hiddenFill>
+            </a:ext>
+            <a:ext uri="{91240B29-F687-4F45-9708-019B960494DF}">
+              <a14:hiddenLine xmlns:a14="http://schemas.microsoft.com/office/drawing/2010/main" w="9525">
+                <a:solidFill>
+                  <a:schemeClr val="tx1"/>
+                </a:solidFill>
+                <a:miter lim="800000"/>
+                <a:headEnd/>
+                <a:tailEnd/>
+              </a14:hiddenLine>
+            </a:ext>
+          </a:extLst>
+        </p:spPr>
+      </p:pic>
     </p:spTree>
     <p:extLst>
       <p:ext uri="{BB962C8B-B14F-4D97-AF65-F5344CB8AC3E}">
         <p14:creationId xmlns:p14="http://schemas.microsoft.com/office/powerpoint/2010/main" val="4057391880"/>
+      </p:ext>
+    </p:extLst>
+  </p:cSld>
+  <p:clrMapOvr>
+    <a:masterClrMapping/>
+  </p:clrMapOvr>
+  <p:timing>
+    <p:tnLst>
+      <p:par>
+        <p:cTn id="1" dur="indefinite" restart="never" nodeType="tmRoot"/>
+      </p:par>
+    </p:tnLst>
+  </p:timing>
+</p:sld>
+</file>
+
+<file path=ppt/slides/slide17.xml><?xml version="1.0" encoding="utf-8"?>
+<p:sld xmlns:a="http://schemas.openxmlformats.org/drawingml/2006/main" xmlns:r="http://schemas.openxmlformats.org/officeDocument/2006/relationships" xmlns:p="http://schemas.openxmlformats.org/presentationml/2006/main">
+  <p:cSld>
+    <p:spTree>
+      <p:nvGrpSpPr>
+        <p:cNvPr id="1" name=""/>
+        <p:cNvGrpSpPr/>
+        <p:nvPr/>
+      </p:nvGrpSpPr>
+      <p:grpSpPr>
+        <a:xfrm>
+          <a:off x="0" y="0"/>
+          <a:ext cx="0" cy="0"/>
+          <a:chOff x="0" y="0"/>
+          <a:chExt cx="0" cy="0"/>
+        </a:xfrm>
+      </p:grpSpPr>
+      <p:sp>
+        <p:nvSpPr>
+          <p:cNvPr id="2" name="タイトル 1"/>
+          <p:cNvSpPr>
+            <a:spLocks noGrp="1"/>
+          </p:cNvSpPr>
+          <p:nvPr>
+            <p:ph type="title"/>
+          </p:nvPr>
+        </p:nvSpPr>
+        <p:spPr/>
+        <p:txBody>
+          <a:bodyPr>
+            <a:normAutofit/>
+          </a:bodyPr>
+          <a:lstStyle/>
+          <a:p>
+            <a:r>
+              <a:rPr lang="ja-JP" altLang="en-US" dirty="0" smtClean="0"/>
+              <a:t>アルゴリズムの使われる割合</a:t>
+            </a:r>
+            <a:endParaRPr kumimoji="1" lang="ja-JP" altLang="en-US" dirty="0"/>
+          </a:p>
+        </p:txBody>
+      </p:sp>
+      <p:sp>
+        <p:nvSpPr>
+          <p:cNvPr id="3" name="コンテンツ プレースホルダー 2"/>
+          <p:cNvSpPr>
+            <a:spLocks noGrp="1"/>
+          </p:cNvSpPr>
+          <p:nvPr>
+            <p:ph idx="1"/>
+          </p:nvPr>
+        </p:nvSpPr>
+        <p:spPr/>
+        <p:txBody>
+          <a:bodyPr/>
+          <a:lstStyle/>
+          <a:p>
+            <a:endParaRPr kumimoji="1" lang="ja-JP" altLang="en-US"/>
+          </a:p>
+        </p:txBody>
+      </p:sp>
+      <p:pic>
+        <p:nvPicPr>
+          <p:cNvPr id="4099" name="Picture 3"/>
+          <p:cNvPicPr>
+            <a:picLocks noChangeAspect="1" noChangeArrowheads="1"/>
+          </p:cNvPicPr>
+          <p:nvPr/>
+        </p:nvPicPr>
+        <p:blipFill>
+          <a:blip r:embed="rId2" cstate="print">
+            <a:extLst>
+              <a:ext uri="{28A0092B-C50C-407E-A947-70E740481C1C}">
+                <a14:useLocalDpi xmlns:a14="http://schemas.microsoft.com/office/drawing/2010/main" val="0"/>
+              </a:ext>
+            </a:extLst>
+          </a:blip>
+          <a:srcRect/>
+          <a:stretch>
+            <a:fillRect/>
+          </a:stretch>
+        </p:blipFill>
+        <p:spPr bwMode="auto">
+          <a:xfrm>
+            <a:off x="231256" y="1341368"/>
+            <a:ext cx="8661224" cy="5400000"/>
+          </a:xfrm>
+          <a:prstGeom prst="rect">
+            <a:avLst/>
+          </a:prstGeom>
+          <a:noFill/>
+          <a:ln>
+            <a:noFill/>
+          </a:ln>
+          <a:extLst>
+            <a:ext uri="{909E8E84-426E-40DD-AFC4-6F175D3DCCD1}">
+              <a14:hiddenFill xmlns:a14="http://schemas.microsoft.com/office/drawing/2010/main">
+                <a:solidFill>
+                  <a:schemeClr val="accent1"/>
+                </a:solidFill>
+              </a14:hiddenFill>
+            </a:ext>
+            <a:ext uri="{91240B29-F687-4F45-9708-019B960494DF}">
+              <a14:hiddenLine xmlns:a14="http://schemas.microsoft.com/office/drawing/2010/main" w="9525">
+                <a:solidFill>
+                  <a:schemeClr val="tx1"/>
+                </a:solidFill>
+                <a:miter lim="800000"/>
+                <a:headEnd/>
+                <a:tailEnd/>
+              </a14:hiddenLine>
+            </a:ext>
+          </a:extLst>
+        </p:spPr>
+      </p:pic>
+      <p:sp>
+        <p:nvSpPr>
+          <p:cNvPr id="5" name="テキスト ボックス 4"/>
+          <p:cNvSpPr txBox="1"/>
+          <p:nvPr/>
+        </p:nvSpPr>
+        <p:spPr>
+          <a:xfrm>
+            <a:off x="467544" y="4798893"/>
+            <a:ext cx="2850460" cy="646331"/>
+          </a:xfrm>
+          <a:prstGeom prst="rect">
+            <a:avLst/>
+          </a:prstGeom>
+          <a:solidFill>
+            <a:schemeClr val="tx1">
+              <a:lumMod val="10000"/>
+              <a:lumOff val="90000"/>
+            </a:schemeClr>
+          </a:solidFill>
+        </p:spPr>
+        <p:txBody>
+          <a:bodyPr wrap="none" rtlCol="0">
+            <a:spAutoFit/>
+          </a:bodyPr>
+          <a:lstStyle/>
+          <a:p>
+            <a:r>
+              <a:rPr kumimoji="1" lang="ja-JP" altLang="en-US" dirty="0" smtClean="0"/>
+              <a:t>教師なし機械学習</a:t>
+            </a:r>
+            <a:endParaRPr kumimoji="1" lang="en-US" altLang="ja-JP" dirty="0" smtClean="0"/>
+          </a:p>
+          <a:p>
+            <a:r>
+              <a:rPr lang="ja-JP" altLang="en-US" dirty="0" smtClean="0"/>
+              <a:t>残り少ないうちの多く</a:t>
+            </a:r>
+            <a:r>
+              <a:rPr lang="ja-JP" altLang="en-US" dirty="0"/>
+              <a:t>はこれ</a:t>
+            </a:r>
+            <a:endParaRPr kumimoji="1" lang="ja-JP" altLang="en-US" dirty="0"/>
+          </a:p>
+        </p:txBody>
+      </p:sp>
+    </p:spTree>
+    <p:extLst>
+      <p:ext uri="{BB962C8B-B14F-4D97-AF65-F5344CB8AC3E}">
+        <p14:creationId xmlns:p14="http://schemas.microsoft.com/office/powerpoint/2010/main" val="3679927227"/>
+      </p:ext>
+    </p:extLst>
+  </p:cSld>
+  <p:clrMapOvr>
+    <a:masterClrMapping/>
+  </p:clrMapOvr>
+  <p:timing>
+    <p:tnLst>
+      <p:par>
+        <p:cTn id="1" dur="indefinite" restart="never" nodeType="tmRoot"/>
+      </p:par>
+    </p:tnLst>
+  </p:timing>
+</p:sld>
+</file>
+
+<file path=ppt/slides/slide18.xml><?xml version="1.0" encoding="utf-8"?>
+<p:sld xmlns:a="http://schemas.openxmlformats.org/drawingml/2006/main" xmlns:r="http://schemas.openxmlformats.org/officeDocument/2006/relationships" xmlns:p="http://schemas.openxmlformats.org/presentationml/2006/main">
+  <p:cSld>
+    <p:spTree>
+      <p:nvGrpSpPr>
+        <p:cNvPr id="1" name=""/>
+        <p:cNvGrpSpPr/>
+        <p:nvPr/>
+      </p:nvGrpSpPr>
+      <p:grpSpPr>
+        <a:xfrm>
+          <a:off x="0" y="0"/>
+          <a:ext cx="0" cy="0"/>
+          <a:chOff x="0" y="0"/>
+          <a:chExt cx="0" cy="0"/>
+        </a:xfrm>
+      </p:grpSpPr>
+      <p:sp>
+        <p:nvSpPr>
+          <p:cNvPr id="2" name="タイトル 1"/>
+          <p:cNvSpPr>
+            <a:spLocks noGrp="1"/>
+          </p:cNvSpPr>
+          <p:nvPr>
+            <p:ph type="title"/>
+          </p:nvPr>
+        </p:nvSpPr>
+        <p:spPr>
+          <a:xfrm>
+            <a:off x="457200" y="3014464"/>
+            <a:ext cx="8229600" cy="990600"/>
+          </a:xfrm>
+        </p:spPr>
+        <p:txBody>
+          <a:bodyPr/>
+          <a:lstStyle/>
+          <a:p>
+            <a:r>
+              <a:rPr kumimoji="1" lang="ja-JP" altLang="en-US" dirty="0" smtClean="0"/>
+              <a:t>なんかやれる気がしてきたよね！？</a:t>
+            </a:r>
+            <a:endParaRPr kumimoji="1" lang="ja-JP" altLang="en-US" dirty="0"/>
+          </a:p>
+        </p:txBody>
+      </p:sp>
+    </p:spTree>
+    <p:extLst>
+      <p:ext uri="{BB962C8B-B14F-4D97-AF65-F5344CB8AC3E}">
+        <p14:creationId xmlns:p14="http://schemas.microsoft.com/office/powerpoint/2010/main" val="2559793857"/>
+      </p:ext>
+    </p:extLst>
+  </p:cSld>
+  <p:clrMapOvr>
+    <a:masterClrMapping/>
+  </p:clrMapOvr>
+  <p:timing>
+    <p:tnLst>
+      <p:par>
+        <p:cTn id="1" dur="indefinite" restart="never" nodeType="tmRoot"/>
+      </p:par>
+    </p:tnLst>
+  </p:timing>
+</p:sld>
+</file>
+
+<file path=ppt/slides/slide19.xml><?xml version="1.0" encoding="utf-8"?>
+<p:sld xmlns:a="http://schemas.openxmlformats.org/drawingml/2006/main" xmlns:r="http://schemas.openxmlformats.org/officeDocument/2006/relationships" xmlns:p="http://schemas.openxmlformats.org/presentationml/2006/main">
+  <p:cSld>
+    <p:spTree>
+      <p:nvGrpSpPr>
+        <p:cNvPr id="1" name=""/>
+        <p:cNvGrpSpPr/>
+        <p:nvPr/>
+      </p:nvGrpSpPr>
+      <p:grpSpPr>
+        <a:xfrm>
+          <a:off x="0" y="0"/>
+          <a:ext cx="0" cy="0"/>
+          <a:chOff x="0" y="0"/>
+          <a:chExt cx="0" cy="0"/>
+        </a:xfrm>
+      </p:grpSpPr>
+      <p:sp>
+        <p:nvSpPr>
+          <p:cNvPr id="2" name="タイトル 1"/>
+          <p:cNvSpPr>
+            <a:spLocks noGrp="1"/>
+          </p:cNvSpPr>
+          <p:nvPr>
+            <p:ph type="title"/>
+          </p:nvPr>
+        </p:nvSpPr>
+        <p:spPr/>
+        <p:txBody>
+          <a:bodyPr/>
+          <a:lstStyle/>
+          <a:p>
+            <a:r>
+              <a:rPr kumimoji="1" lang="ja-JP" altLang="en-US" dirty="0" smtClean="0"/>
+              <a:t>みんなもやってみよう！</a:t>
+            </a:r>
+            <a:endParaRPr kumimoji="1" lang="ja-JP" altLang="en-US" dirty="0"/>
+          </a:p>
+        </p:txBody>
+      </p:sp>
+      <p:sp>
+        <p:nvSpPr>
+          <p:cNvPr id="3" name="コンテンツ プレースホルダー 2"/>
+          <p:cNvSpPr>
+            <a:spLocks noGrp="1"/>
+          </p:cNvSpPr>
+          <p:nvPr>
+            <p:ph idx="1"/>
+          </p:nvPr>
+        </p:nvSpPr>
+        <p:spPr/>
+        <p:txBody>
+          <a:bodyPr/>
+          <a:lstStyle/>
+          <a:p>
+            <a:r>
+              <a:rPr lang="ja-JP" altLang="en-US" dirty="0" smtClean="0"/>
+              <a:t>入門書を</a:t>
+            </a:r>
+            <a:r>
+              <a:rPr lang="ja-JP" altLang="en-US" dirty="0" err="1"/>
+              <a:t>読む</a:t>
+            </a:r>
+            <a:r>
+              <a:rPr lang="ja-JP" altLang="en-US" dirty="0" err="1" smtClean="0"/>
+              <a:t>読まないは</a:t>
+            </a:r>
+            <a:r>
+              <a:rPr lang="ja-JP" altLang="en-US" dirty="0" smtClean="0"/>
+              <a:t>個人の自由ですが、</a:t>
+            </a:r>
+            <a:r>
+              <a:rPr lang="en-US" altLang="ja-JP" dirty="0" smtClean="0"/>
+              <a:t/>
+            </a:r>
+            <a:br>
+              <a:rPr lang="en-US" altLang="ja-JP" dirty="0" smtClean="0"/>
+            </a:br>
+            <a:r>
+              <a:rPr lang="ja-JP" altLang="en-US" dirty="0" smtClean="0"/>
+              <a:t>ここまで発表してみて、そろそろ本を読んでみようかなと思っています</a:t>
+            </a:r>
+            <a:r>
+              <a:rPr lang="en-US" altLang="ja-JP" dirty="0" smtClean="0"/>
+              <a:t>(</a:t>
+            </a:r>
+            <a:r>
+              <a:rPr lang="ja-JP" altLang="en-US" dirty="0" smtClean="0"/>
+              <a:t>汗</a:t>
+            </a:r>
+            <a:r>
+              <a:rPr lang="en-US" altLang="ja-JP" dirty="0" smtClean="0"/>
+              <a:t>)</a:t>
+            </a:r>
+          </a:p>
+          <a:p>
+            <a:r>
+              <a:rPr lang="ja-JP" altLang="en-US" dirty="0" smtClean="0"/>
+              <a:t>何の本が良いとか、どのサイトがいいとか教えれません。</a:t>
+            </a:r>
+            <a:r>
+              <a:rPr lang="en-US" altLang="ja-JP" dirty="0"/>
+              <a:t/>
+            </a:r>
+            <a:br>
+              <a:rPr lang="en-US" altLang="ja-JP" dirty="0"/>
+            </a:br>
+            <a:r>
+              <a:rPr lang="ja-JP" altLang="en-US" dirty="0" smtClean="0"/>
+              <a:t>むしろ教えてください</a:t>
+            </a:r>
+            <a:r>
+              <a:rPr lang="en-US" altLang="ja-JP" dirty="0" smtClean="0"/>
+              <a:t>(</a:t>
+            </a:r>
+            <a:r>
+              <a:rPr lang="ja-JP" altLang="en-US" dirty="0" smtClean="0"/>
+              <a:t>汗</a:t>
+            </a:r>
+            <a:r>
+              <a:rPr lang="en-US" altLang="ja-JP" dirty="0" smtClean="0"/>
+              <a:t>)</a:t>
+            </a:r>
+          </a:p>
+        </p:txBody>
+      </p:sp>
+    </p:spTree>
+    <p:extLst>
+      <p:ext uri="{BB962C8B-B14F-4D97-AF65-F5344CB8AC3E}">
+        <p14:creationId xmlns:p14="http://schemas.microsoft.com/office/powerpoint/2010/main" val="734484044"/>
       </p:ext>
     </p:extLst>
   </p:cSld>
@@ -4314,19 +5980,21 @@
         </p:nvSpPr>
         <p:spPr>
           <a:xfrm>
-            <a:off x="457200" y="1718320"/>
+            <a:off x="457200" y="2150368"/>
             <a:ext cx="8229600" cy="990600"/>
           </a:xfrm>
         </p:spPr>
         <p:txBody>
-          <a:bodyPr/>
-          <a:lstStyle/>
-          <a:p>
-            <a:r>
-              <a:rPr kumimoji="1" lang="ja-JP" altLang="en-US" dirty="0" smtClean="0"/>
+          <a:bodyPr>
+            <a:noAutofit/>
+          </a:bodyPr>
+          <a:lstStyle/>
+          <a:p>
+            <a:r>
+              <a:rPr kumimoji="1" lang="ja-JP" altLang="en-US" sz="7200" dirty="0" smtClean="0"/>
               <a:t>今日の目標</a:t>
             </a:r>
-            <a:endParaRPr kumimoji="1" lang="ja-JP" altLang="en-US" dirty="0"/>
+            <a:endParaRPr kumimoji="1" lang="ja-JP" altLang="en-US" sz="7200" dirty="0"/>
           </a:p>
         </p:txBody>
       </p:sp>
@@ -4342,7 +6010,7 @@
         </p:nvSpPr>
         <p:spPr>
           <a:xfrm>
-            <a:off x="457200" y="2944688"/>
+            <a:off x="457200" y="3520752"/>
             <a:ext cx="8229600" cy="4876800"/>
           </a:xfrm>
         </p:spPr>
@@ -4357,7 +6025,7 @@
             </a:pPr>
             <a:r>
               <a:rPr kumimoji="1" lang="ja-JP" altLang="en-US" sz="2800" dirty="0" smtClean="0"/>
-              <a:t>機械学習とかデータサイエンスが</a:t>
+              <a:t>データサイエンス、特に機械学習が</a:t>
             </a:r>
             <a:endParaRPr lang="en-US" altLang="ja-JP" sz="2800" dirty="0" smtClean="0"/>
           </a:p>
@@ -4570,13 +6238,25 @@
         <p:spPr/>
         <p:txBody>
           <a:bodyPr>
-            <a:normAutofit fontScale="90000"/>
+            <a:normAutofit/>
           </a:bodyPr>
           <a:lstStyle/>
           <a:p>
             <a:r>
+              <a:rPr lang="ja-JP" altLang="en-US" dirty="0"/>
+              <a:t>本テーマ</a:t>
+            </a:r>
+            <a:r>
+              <a:rPr lang="ja-JP" altLang="en-US" dirty="0" smtClean="0"/>
+              <a:t>を</a:t>
+            </a:r>
+            <a:r>
+              <a:rPr lang="ja-JP" altLang="en-US" dirty="0"/>
+              <a:t>選んだ</a:t>
+            </a:r>
+            <a:r>
               <a:rPr kumimoji="1" lang="ja-JP" altLang="en-US" dirty="0" smtClean="0"/>
-              <a:t>本セッションを発表しようと思った理由</a:t>
+              <a:t>理由</a:t>
             </a:r>
             <a:endParaRPr kumimoji="1" lang="ja-JP" altLang="en-US" dirty="0"/>
           </a:p>
@@ -4911,7 +6591,15 @@
           <a:p>
             <a:r>
               <a:rPr lang="en-US" altLang="ja-JP" dirty="0" smtClean="0"/>
-              <a:t>Anaconda(from ep161)</a:t>
+              <a:t>Anaconda(from </a:t>
+            </a:r>
+            <a:r>
+              <a:rPr lang="en-US" altLang="ja-JP" dirty="0" smtClean="0"/>
+              <a:t>ep171</a:t>
+            </a:r>
+            <a:r>
+              <a:rPr lang="en-US" altLang="ja-JP" dirty="0" smtClean="0"/>
+              <a:t>)</a:t>
             </a:r>
             <a:endParaRPr kumimoji="1" lang="ja-JP" altLang="en-US" dirty="0"/>
           </a:p>
@@ -4927,6 +6615,13 @@
   <p:clrMapOvr>
     <a:masterClrMapping/>
   </p:clrMapOvr>
+  <p:timing>
+    <p:tnLst>
+      <p:par>
+        <p:cTn id="1" dur="indefinite" restart="never" nodeType="tmRoot"/>
+      </p:par>
+    </p:tnLst>
+  </p:timing>
 </p:sld>
 </file>
 
@@ -5025,7 +6720,6 @@
               <a:rPr kumimoji="1" lang="en-US" altLang="ja-JP" dirty="0" smtClean="0"/>
               <a:t>Julia</a:t>
             </a:r>
-            <a:endParaRPr kumimoji="1" lang="ja-JP" altLang="en-US" dirty="0"/>
           </a:p>
         </p:txBody>
       </p:sp>
@@ -5039,6 +6733,13 @@
   <p:clrMapOvr>
     <a:masterClrMapping/>
   </p:clrMapOvr>
+  <p:timing>
+    <p:tnLst>
+      <p:par>
+        <p:cTn id="1" dur="indefinite" restart="never" nodeType="tmRoot"/>
+      </p:par>
+    </p:tnLst>
+  </p:timing>
 </p:sld>
 </file>
 
@@ -5114,7 +6815,7 @@
             </a:r>
             <a:r>
               <a:rPr lang="ja-JP" altLang="en-US" dirty="0" smtClean="0"/>
-              <a:t>に</a:t>
+              <a:t>に入れるとパフォーマンスがいいのでは</a:t>
             </a:r>
             <a:endParaRPr lang="en-US" altLang="ja-JP" dirty="0" smtClean="0"/>
           </a:p>
@@ -5169,7 +6870,7 @@
             </a:r>
             <a:r>
               <a:rPr lang="ja-JP" altLang="en-US" dirty="0" smtClean="0"/>
-              <a:t>の環境に</a:t>
+              <a:t>に</a:t>
             </a:r>
             <a:r>
               <a:rPr lang="en-US" altLang="ja-JP" dirty="0" smtClean="0"/>
@@ -5214,12 +6915,12 @@
               <a:t>2.3GB</a:t>
             </a:r>
             <a:r>
-              <a:rPr lang="ja-JP" altLang="en-US" dirty="0" err="1" smtClean="0"/>
-              <a:t>ほどで</a:t>
+              <a:rPr lang="ja-JP" altLang="en-US" dirty="0"/>
+              <a:t>程</a:t>
             </a:r>
             <a:r>
               <a:rPr lang="ja-JP" altLang="en-US" dirty="0" smtClean="0"/>
-              <a:t>した</a:t>
+              <a:t>でした</a:t>
             </a:r>
             <a:endParaRPr lang="en-US" altLang="ja-JP" dirty="0"/>
           </a:p>
@@ -5235,6 +6936,13 @@
   <p:clrMapOvr>
     <a:masterClrMapping/>
   </p:clrMapOvr>
+  <p:timing>
+    <p:tnLst>
+      <p:par>
+        <p:cTn id="1" dur="indefinite" restart="never" nodeType="tmRoot"/>
+      </p:par>
+    </p:tnLst>
+  </p:timing>
 </p:sld>
 </file>
 

--- a/入門系の本を一冊も読まず.pptx
+++ b/入門系の本を一冊も読まず.pptx
@@ -4040,11 +4040,7 @@
             </a:r>
             <a:r>
               <a:rPr kumimoji="1" lang="ja-JP" altLang="en-US" dirty="0" smtClean="0"/>
-              <a:t> </a:t>
-            </a:r>
-            <a:r>
-              <a:rPr kumimoji="1" lang="ja-JP" altLang="en-US" dirty="0" smtClean="0"/>
-              <a:t>グラフ化</a:t>
+              <a:t> グラフ化</a:t>
             </a:r>
             <a:r>
               <a:rPr kumimoji="1" lang="en-US" altLang="ja-JP" dirty="0" smtClean="0"/>
@@ -4060,11 +4056,7 @@
             </a:r>
             <a:r>
               <a:rPr kumimoji="1" lang="ja-JP" altLang="en-US" dirty="0" smtClean="0"/>
-              <a:t>する</a:t>
-            </a:r>
-            <a:r>
-              <a:rPr kumimoji="1" lang="ja-JP" altLang="en-US" dirty="0" smtClean="0"/>
-              <a:t>ライブラリ</a:t>
+              <a:t>するライブラリ</a:t>
             </a:r>
             <a:endParaRPr kumimoji="1" lang="en-US" altLang="ja-JP" dirty="0" smtClean="0"/>
           </a:p>
@@ -4079,9 +4071,13 @@
             </a:r>
             <a:r>
               <a:rPr lang="ja-JP" altLang="en-US" dirty="0" smtClean="0"/>
-              <a:t> 機械学習ライブラリ</a:t>
-            </a:r>
-            <a:endParaRPr kumimoji="1" lang="ja-JP" altLang="en-US" dirty="0"/>
+              <a:t> 機械学習</a:t>
+            </a:r>
+            <a:r>
+              <a:rPr lang="ja-JP" altLang="en-US" dirty="0" smtClean="0"/>
+              <a:t>ライブラリ</a:t>
+            </a:r>
+            <a:endParaRPr lang="en-US" altLang="ja-JP" dirty="0" smtClean="0"/>
           </a:p>
         </p:txBody>
       </p:sp>
@@ -4139,7 +4135,11 @@
           <a:p>
             <a:r>
               <a:rPr kumimoji="1" lang="ja-JP" altLang="en-US" dirty="0" smtClean="0"/>
-              <a:t>道具は揃った！</a:t>
+              <a:t>機械学習の道具</a:t>
+            </a:r>
+            <a:r>
+              <a:rPr kumimoji="1" lang="ja-JP" altLang="en-US" dirty="0" smtClean="0"/>
+              <a:t>は揃った！</a:t>
             </a:r>
             <a:endParaRPr kumimoji="1" lang="ja-JP" altLang="en-US" dirty="0"/>
           </a:p>
@@ -6025,7 +6025,15 @@
             </a:pPr>
             <a:r>
               <a:rPr kumimoji="1" lang="ja-JP" altLang="en-US" sz="2800" dirty="0" smtClean="0"/>
-              <a:t>データサイエンス、特に機械学習が</a:t>
+              <a:t>データサイエンス</a:t>
+            </a:r>
+            <a:r>
+              <a:rPr kumimoji="1" lang="ja-JP" altLang="en-US" sz="2800" dirty="0" smtClean="0"/>
+              <a:t>、とくに</a:t>
+            </a:r>
+            <a:r>
+              <a:rPr kumimoji="1" lang="ja-JP" altLang="en-US" sz="2800" dirty="0" smtClean="0"/>
+              <a:t>機械学習が</a:t>
             </a:r>
             <a:endParaRPr lang="en-US" altLang="ja-JP" sz="2800" dirty="0" smtClean="0"/>
           </a:p>
@@ -6591,15 +6599,7 @@
           <a:p>
             <a:r>
               <a:rPr lang="en-US" altLang="ja-JP" dirty="0" smtClean="0"/>
-              <a:t>Anaconda(from </a:t>
-            </a:r>
-            <a:r>
-              <a:rPr lang="en-US" altLang="ja-JP" dirty="0" smtClean="0"/>
-              <a:t>ep171</a:t>
-            </a:r>
-            <a:r>
-              <a:rPr lang="en-US" altLang="ja-JP" dirty="0" smtClean="0"/>
-              <a:t>)</a:t>
+              <a:t>Anaconda(from ep171)</a:t>
             </a:r>
             <a:endParaRPr kumimoji="1" lang="ja-JP" altLang="en-US" dirty="0"/>
           </a:p>

--- a/入門系の本を一冊も読まず.pptx
+++ b/入門系の本を一冊も読まず.pptx
@@ -17,13 +17,12 @@
     <p:sldId id="265" r:id="rId11"/>
     <p:sldId id="266" r:id="rId12"/>
     <p:sldId id="269" r:id="rId13"/>
-    <p:sldId id="270" r:id="rId14"/>
-    <p:sldId id="271" r:id="rId15"/>
-    <p:sldId id="268" r:id="rId16"/>
-    <p:sldId id="267" r:id="rId17"/>
-    <p:sldId id="272" r:id="rId18"/>
-    <p:sldId id="273" r:id="rId19"/>
-    <p:sldId id="274" r:id="rId20"/>
+    <p:sldId id="271" r:id="rId14"/>
+    <p:sldId id="268" r:id="rId15"/>
+    <p:sldId id="267" r:id="rId16"/>
+    <p:sldId id="272" r:id="rId17"/>
+    <p:sldId id="273" r:id="rId18"/>
+    <p:sldId id="274" r:id="rId19"/>
   </p:sldIdLst>
   <p:sldSz cx="9144000" cy="6858000" type="screen4x3"/>
   <p:notesSz cx="6858000" cy="9144000"/>
@@ -313,7 +312,7 @@
           <a:p>
             <a:fld id="{602318CA-0316-4163-821F-464F5C242CBE}" type="datetimeFigureOut">
               <a:rPr kumimoji="1" lang="ja-JP" altLang="en-US" smtClean="0"/>
-              <a:t>2017/3/24</a:t>
+              <a:t>2017/3/25</a:t>
             </a:fld>
             <a:endParaRPr kumimoji="1" lang="ja-JP" altLang="en-US"/>
           </a:p>
@@ -517,7 +516,7 @@
           <a:p>
             <a:fld id="{602318CA-0316-4163-821F-464F5C242CBE}" type="datetimeFigureOut">
               <a:rPr kumimoji="1" lang="ja-JP" altLang="en-US" smtClean="0"/>
-              <a:t>2017/3/24</a:t>
+              <a:t>2017/3/25</a:t>
             </a:fld>
             <a:endParaRPr kumimoji="1" lang="ja-JP" altLang="en-US"/>
           </a:p>
@@ -724,7 +723,7 @@
           <a:p>
             <a:fld id="{602318CA-0316-4163-821F-464F5C242CBE}" type="datetimeFigureOut">
               <a:rPr kumimoji="1" lang="ja-JP" altLang="en-US" smtClean="0"/>
-              <a:t>2017/3/24</a:t>
+              <a:t>2017/3/25</a:t>
             </a:fld>
             <a:endParaRPr kumimoji="1" lang="ja-JP" altLang="en-US"/>
           </a:p>
@@ -921,7 +920,7 @@
           <a:p>
             <a:fld id="{602318CA-0316-4163-821F-464F5C242CBE}" type="datetimeFigureOut">
               <a:rPr kumimoji="1" lang="ja-JP" altLang="en-US" smtClean="0"/>
-              <a:t>2017/3/24</a:t>
+              <a:t>2017/3/25</a:t>
             </a:fld>
             <a:endParaRPr kumimoji="1" lang="ja-JP" altLang="en-US"/>
           </a:p>
@@ -1169,7 +1168,7 @@
           <a:p>
             <a:fld id="{602318CA-0316-4163-821F-464F5C242CBE}" type="datetimeFigureOut">
               <a:rPr kumimoji="1" lang="ja-JP" altLang="en-US" smtClean="0"/>
-              <a:t>2017/3/24</a:t>
+              <a:t>2017/3/25</a:t>
             </a:fld>
             <a:endParaRPr kumimoji="1" lang="ja-JP" altLang="en-US"/>
           </a:p>
@@ -1551,7 +1550,7 @@
           <a:p>
             <a:fld id="{602318CA-0316-4163-821F-464F5C242CBE}" type="datetimeFigureOut">
               <a:rPr kumimoji="1" lang="ja-JP" altLang="en-US" smtClean="0"/>
-              <a:t>2017/3/24</a:t>
+              <a:t>2017/3/25</a:t>
             </a:fld>
             <a:endParaRPr kumimoji="1" lang="ja-JP" altLang="en-US"/>
           </a:p>
@@ -2081,7 +2080,7 @@
           <a:p>
             <a:fld id="{602318CA-0316-4163-821F-464F5C242CBE}" type="datetimeFigureOut">
               <a:rPr kumimoji="1" lang="ja-JP" altLang="en-US" smtClean="0"/>
-              <a:t>2017/3/24</a:t>
+              <a:t>2017/3/25</a:t>
             </a:fld>
             <a:endParaRPr kumimoji="1" lang="ja-JP" altLang="en-US"/>
           </a:p>
@@ -2229,7 +2228,7 @@
           <a:p>
             <a:fld id="{602318CA-0316-4163-821F-464F5C242CBE}" type="datetimeFigureOut">
               <a:rPr kumimoji="1" lang="ja-JP" altLang="en-US" smtClean="0"/>
-              <a:t>2017/3/24</a:t>
+              <a:t>2017/3/25</a:t>
             </a:fld>
             <a:endParaRPr kumimoji="1" lang="ja-JP" altLang="en-US"/>
           </a:p>
@@ -2319,7 +2318,7 @@
           <a:p>
             <a:fld id="{602318CA-0316-4163-821F-464F5C242CBE}" type="datetimeFigureOut">
               <a:rPr kumimoji="1" lang="ja-JP" altLang="en-US" smtClean="0"/>
-              <a:t>2017/3/24</a:t>
+              <a:t>2017/3/25</a:t>
             </a:fld>
             <a:endParaRPr kumimoji="1" lang="ja-JP" altLang="en-US"/>
           </a:p>
@@ -2625,7 +2624,7 @@
           <a:p>
             <a:fld id="{602318CA-0316-4163-821F-464F5C242CBE}" type="datetimeFigureOut">
               <a:rPr kumimoji="1" lang="ja-JP" altLang="en-US" smtClean="0"/>
-              <a:t>2017/3/24</a:t>
+              <a:t>2017/3/25</a:t>
             </a:fld>
             <a:endParaRPr kumimoji="1" lang="ja-JP" altLang="en-US"/>
           </a:p>
@@ -2930,7 +2929,7 @@
           <a:p>
             <a:fld id="{602318CA-0316-4163-821F-464F5C242CBE}" type="datetimeFigureOut">
               <a:rPr kumimoji="1" lang="ja-JP" altLang="en-US" smtClean="0"/>
-              <a:t>2017/3/24</a:t>
+              <a:t>2017/3/25</a:t>
             </a:fld>
             <a:endParaRPr kumimoji="1" lang="ja-JP" altLang="en-US"/>
           </a:p>
@@ -3263,7 +3262,7 @@
             <a:fld id="{602318CA-0316-4163-821F-464F5C242CBE}" type="datetimeFigureOut">
               <a:rPr lang="ja-JP" altLang="en-US" smtClean="0"/>
               <a:pPr/>
-              <a:t>2017/3/24</a:t>
+              <a:t>2017/3/25</a:t>
             </a:fld>
             <a:endParaRPr lang="ja-JP" altLang="en-US"/>
           </a:p>
@@ -3762,6 +3761,42 @@
           </a:p>
         </p:txBody>
       </p:sp>
+      <p:sp>
+        <p:nvSpPr>
+          <p:cNvPr id="3" name="テキスト ボックス 2"/>
+          <p:cNvSpPr txBox="1"/>
+          <p:nvPr/>
+        </p:nvSpPr>
+        <p:spPr>
+          <a:xfrm>
+            <a:off x="262820" y="6147301"/>
+            <a:ext cx="7957050" cy="954107"/>
+          </a:xfrm>
+          <a:prstGeom prst="rect">
+            <a:avLst/>
+          </a:prstGeom>
+          <a:noFill/>
+        </p:spPr>
+        <p:txBody>
+          <a:bodyPr wrap="none" rtlCol="0">
+            <a:spAutoFit/>
+          </a:bodyPr>
+          <a:lstStyle/>
+          <a:p>
+            <a:r>
+              <a:rPr lang="ja-JP" altLang="en-US" sz="2800" dirty="0"/>
+              <a:t>参考資料：</a:t>
+            </a:r>
+            <a:r>
+              <a:rPr lang="en-US" altLang="ja-JP" sz="2800" dirty="0"/>
+              <a:t>http://www.github.com/sakapun/nds51/</a:t>
+            </a:r>
+          </a:p>
+          <a:p>
+            <a:endParaRPr kumimoji="1" lang="ja-JP" altLang="en-US" sz="2800" dirty="0"/>
+          </a:p>
+        </p:txBody>
+      </p:sp>
     </p:spTree>
     <p:extLst>
       <p:ext uri="{BB962C8B-B14F-4D97-AF65-F5344CB8AC3E}">
@@ -4071,11 +4106,7 @@
             </a:r>
             <a:r>
               <a:rPr lang="ja-JP" altLang="en-US" dirty="0" smtClean="0"/>
-              <a:t> 機械学習</a:t>
-            </a:r>
-            <a:r>
-              <a:rPr lang="ja-JP" altLang="en-US" dirty="0" smtClean="0"/>
-              <a:t>ライブラリ</a:t>
+              <a:t> 機械学習ライブラリ</a:t>
             </a:r>
             <a:endParaRPr lang="en-US" altLang="ja-JP" dirty="0" smtClean="0"/>
           </a:p>
@@ -4135,11 +4166,7 @@
           <a:p>
             <a:r>
               <a:rPr kumimoji="1" lang="ja-JP" altLang="en-US" dirty="0" smtClean="0"/>
-              <a:t>機械学習の道具</a:t>
-            </a:r>
-            <a:r>
-              <a:rPr kumimoji="1" lang="ja-JP" altLang="en-US" dirty="0" smtClean="0"/>
-              <a:t>は揃った！</a:t>
+              <a:t>機械学習の道具は揃った！</a:t>
             </a:r>
             <a:endParaRPr kumimoji="1" lang="ja-JP" altLang="en-US" dirty="0"/>
           </a:p>
@@ -4208,106 +4235,6 @@
 <file path=ppt/slides/slide13.xml><?xml version="1.0" encoding="utf-8"?>
 <p:sld xmlns:a="http://schemas.openxmlformats.org/drawingml/2006/main" xmlns:r="http://schemas.openxmlformats.org/officeDocument/2006/relationships" xmlns:p="http://schemas.openxmlformats.org/presentationml/2006/main">
   <p:cSld>
-    <p:spTree>
-      <p:nvGrpSpPr>
-        <p:cNvPr id="1" name=""/>
-        <p:cNvGrpSpPr/>
-        <p:nvPr/>
-      </p:nvGrpSpPr>
-      <p:grpSpPr>
-        <a:xfrm>
-          <a:off x="0" y="0"/>
-          <a:ext cx="0" cy="0"/>
-          <a:chOff x="0" y="0"/>
-          <a:chExt cx="0" cy="0"/>
-        </a:xfrm>
-      </p:grpSpPr>
-      <p:sp>
-        <p:nvSpPr>
-          <p:cNvPr id="2" name="タイトル 1"/>
-          <p:cNvSpPr>
-            <a:spLocks noGrp="1"/>
-          </p:cNvSpPr>
-          <p:nvPr>
-            <p:ph type="title"/>
-          </p:nvPr>
-        </p:nvSpPr>
-        <p:spPr>
-          <a:xfrm>
-            <a:off x="539552" y="2270384"/>
-            <a:ext cx="8229600" cy="990600"/>
-          </a:xfrm>
-        </p:spPr>
-        <p:txBody>
-          <a:bodyPr>
-            <a:noAutofit/>
-          </a:bodyPr>
-          <a:lstStyle/>
-          <a:p>
-            <a:r>
-              <a:rPr kumimoji="1" lang="ja-JP" altLang="en-US" sz="6000" dirty="0" smtClean="0"/>
-              <a:t>いやちょっとまて</a:t>
-            </a:r>
-            <a:endParaRPr kumimoji="1" lang="ja-JP" altLang="en-US" sz="6000" dirty="0"/>
-          </a:p>
-        </p:txBody>
-      </p:sp>
-      <p:sp>
-        <p:nvSpPr>
-          <p:cNvPr id="3" name="コンテンツ プレースホルダー 2"/>
-          <p:cNvSpPr>
-            <a:spLocks noGrp="1"/>
-          </p:cNvSpPr>
-          <p:nvPr>
-            <p:ph idx="1"/>
-          </p:nvPr>
-        </p:nvSpPr>
-        <p:spPr>
-          <a:xfrm>
-            <a:off x="494976" y="3591304"/>
-            <a:ext cx="8229600" cy="4876800"/>
-          </a:xfrm>
-        </p:spPr>
-        <p:txBody>
-          <a:bodyPr>
-            <a:normAutofit/>
-          </a:bodyPr>
-          <a:lstStyle/>
-          <a:p>
-            <a:pPr marL="0" indent="0">
-              <a:buNone/>
-            </a:pPr>
-            <a:r>
-              <a:rPr kumimoji="1" lang="ja-JP" altLang="en-US" dirty="0" smtClean="0"/>
-              <a:t> そもそも何ができるの？</a:t>
-            </a:r>
-            <a:endParaRPr kumimoji="1" lang="en-US" altLang="ja-JP" dirty="0" smtClean="0"/>
-          </a:p>
-        </p:txBody>
-      </p:sp>
-    </p:spTree>
-    <p:extLst>
-      <p:ext uri="{BB962C8B-B14F-4D97-AF65-F5344CB8AC3E}">
-        <p14:creationId xmlns:p14="http://schemas.microsoft.com/office/powerpoint/2010/main" val="1667209837"/>
-      </p:ext>
-    </p:extLst>
-  </p:cSld>
-  <p:clrMapOvr>
-    <a:masterClrMapping/>
-  </p:clrMapOvr>
-  <p:timing>
-    <p:tnLst>
-      <p:par>
-        <p:cTn id="1" dur="indefinite" restart="never" nodeType="tmRoot"/>
-      </p:par>
-    </p:tnLst>
-  </p:timing>
-</p:sld>
-</file>
-
-<file path=ppt/slides/slide14.xml><?xml version="1.0" encoding="utf-8"?>
-<p:sld xmlns:a="http://schemas.openxmlformats.org/drawingml/2006/main" xmlns:r="http://schemas.openxmlformats.org/officeDocument/2006/relationships" xmlns:p="http://schemas.openxmlformats.org/presentationml/2006/main">
-  <p:cSld>
     <p:bg>
       <p:bgPr>
         <a:noFill/>
@@ -4345,7 +4272,11 @@
           <a:p>
             <a:r>
               <a:rPr kumimoji="1" lang="ja-JP" altLang="en-US" dirty="0" smtClean="0"/>
-              <a:t>できること </a:t>
+              <a:t>機械学習でできる</a:t>
+            </a:r>
+            <a:r>
+              <a:rPr kumimoji="1" lang="ja-JP" altLang="en-US" dirty="0" smtClean="0"/>
+              <a:t>こと </a:t>
             </a:r>
             <a:r>
               <a:rPr lang="en-US" altLang="ja-JP" sz="1800" dirty="0" smtClean="0"/>
@@ -5157,7 +5088,7 @@
 </p:sld>
 </file>
 
-<file path=ppt/slides/slide15.xml><?xml version="1.0" encoding="utf-8"?>
+<file path=ppt/slides/slide14.xml><?xml version="1.0" encoding="utf-8"?>
 <p:sld xmlns:a="http://schemas.openxmlformats.org/drawingml/2006/main" xmlns:r="http://schemas.openxmlformats.org/officeDocument/2006/relationships" xmlns:p="http://schemas.openxmlformats.org/presentationml/2006/main">
   <p:cSld>
     <p:spTree>
@@ -5298,7 +5229,7 @@
 </p:sld>
 </file>
 
-<file path=ppt/slides/slide16.xml><?xml version="1.0" encoding="utf-8"?>
+<file path=ppt/slides/slide15.xml><?xml version="1.0" encoding="utf-8"?>
 <p:sld xmlns:a="http://schemas.openxmlformats.org/drawingml/2006/main" xmlns:r="http://schemas.openxmlformats.org/officeDocument/2006/relationships" xmlns:p="http://schemas.openxmlformats.org/presentationml/2006/main">
   <p:cSld>
     <p:spTree>
@@ -5420,7 +5351,7 @@
 </p:sld>
 </file>
 
-<file path=ppt/slides/slide17.xml><?xml version="1.0" encoding="utf-8"?>
+<file path=ppt/slides/slide16.xml><?xml version="1.0" encoding="utf-8"?>
 <p:sld xmlns:a="http://schemas.openxmlformats.org/drawingml/2006/main" xmlns:r="http://schemas.openxmlformats.org/officeDocument/2006/relationships" xmlns:p="http://schemas.openxmlformats.org/presentationml/2006/main">
   <p:cSld>
     <p:spTree>
@@ -5601,7 +5532,7 @@
 </p:sld>
 </file>
 
-<file path=ppt/slides/slide18.xml><?xml version="1.0" encoding="utf-8"?>
+<file path=ppt/slides/slide17.xml><?xml version="1.0" encoding="utf-8"?>
 <p:sld xmlns:a="http://schemas.openxmlformats.org/drawingml/2006/main" xmlns:r="http://schemas.openxmlformats.org/officeDocument/2006/relationships" xmlns:p="http://schemas.openxmlformats.org/presentationml/2006/main">
   <p:cSld>
     <p:spTree>
@@ -5666,7 +5597,7 @@
 </p:sld>
 </file>
 
-<file path=ppt/slides/slide19.xml><?xml version="1.0" encoding="utf-8"?>
+<file path=ppt/slides/slide18.xml><?xml version="1.0" encoding="utf-8"?>
 <p:sld xmlns:a="http://schemas.openxmlformats.org/drawingml/2006/main" xmlns:r="http://schemas.openxmlformats.org/officeDocument/2006/relationships" xmlns:p="http://schemas.openxmlformats.org/presentationml/2006/main">
   <p:cSld>
     <p:spTree>
@@ -5925,7 +5856,11 @@
             </a:r>
             <a:r>
               <a:rPr lang="ja-JP" altLang="en-US" dirty="0" smtClean="0"/>
-              <a:t>とか、覚えることたくさん！</a:t>
+              <a:t>とか、覚えることたくさん</a:t>
+            </a:r>
+            <a:r>
+              <a:rPr lang="ja-JP" altLang="en-US" dirty="0" smtClean="0"/>
+              <a:t>！</a:t>
             </a:r>
             <a:endParaRPr lang="en-US" altLang="ja-JP" dirty="0" smtClean="0"/>
           </a:p>
@@ -6025,15 +5960,7 @@
             </a:pPr>
             <a:r>
               <a:rPr kumimoji="1" lang="ja-JP" altLang="en-US" sz="2800" dirty="0" smtClean="0"/>
-              <a:t>データサイエンス</a:t>
-            </a:r>
-            <a:r>
-              <a:rPr kumimoji="1" lang="ja-JP" altLang="en-US" sz="2800" dirty="0" smtClean="0"/>
-              <a:t>、とくに</a:t>
-            </a:r>
-            <a:r>
-              <a:rPr kumimoji="1" lang="ja-JP" altLang="en-US" sz="2800" dirty="0" smtClean="0"/>
-              <a:t>機械学習が</a:t>
+              <a:t>データサイエンス、とくに機械学習が</a:t>
             </a:r>
             <a:endParaRPr lang="en-US" altLang="ja-JP" sz="2800" dirty="0" smtClean="0"/>
           </a:p>
@@ -6286,6 +6213,16 @@
           <a:lstStyle/>
           <a:p>
             <a:r>
+              <a:rPr kumimoji="1" lang="ja-JP" altLang="en-US" dirty="0" smtClean="0"/>
+              <a:t>データサイエンス系のセッションがなかった</a:t>
+            </a:r>
+            <a:endParaRPr kumimoji="1" lang="en-US" altLang="ja-JP" dirty="0" smtClean="0"/>
+          </a:p>
+          <a:p>
+            <a:endParaRPr kumimoji="1" lang="en-US" altLang="ja-JP" dirty="0" smtClean="0"/>
+          </a:p>
+          <a:p>
+            <a:r>
               <a:rPr kumimoji="1" lang="en-US" altLang="ja-JP" dirty="0" err="1" smtClean="0"/>
               <a:t>RebuildFM</a:t>
             </a:r>
@@ -6295,14 +6232,25 @@
             </a:r>
             <a:r>
               <a:rPr kumimoji="1" lang="ja-JP" altLang="en-US" dirty="0" smtClean="0"/>
-              <a:t>藤直也さん回を聞いて、なんかできそうだと思わせてくれたこと</a:t>
+              <a:t>藤直也さん回を聞いて、なんかできそうだと思わせてくれた</a:t>
+            </a:r>
+            <a:r>
+              <a:rPr kumimoji="1" lang="ja-JP" altLang="en-US" dirty="0" smtClean="0"/>
+              <a:t>こと</a:t>
             </a:r>
             <a:endParaRPr kumimoji="1" lang="en-US" altLang="ja-JP" dirty="0" smtClean="0"/>
           </a:p>
           <a:p>
+            <a:endParaRPr lang="en-US" altLang="ja-JP" dirty="0" smtClean="0"/>
+          </a:p>
+          <a:p>
             <a:r>
               <a:rPr lang="ja-JP" altLang="en-US" dirty="0" smtClean="0"/>
-              <a:t>過去の</a:t>
+              <a:t>過去</a:t>
+            </a:r>
+            <a:r>
+              <a:rPr lang="ja-JP" altLang="en-US" dirty="0" smtClean="0"/>
+              <a:t>の</a:t>
             </a:r>
             <a:r>
               <a:rPr lang="en-US" altLang="ja-JP" dirty="0" smtClean="0"/>
@@ -6310,45 +6258,12 @@
             </a:r>
             <a:r>
               <a:rPr lang="ja-JP" altLang="en-US" dirty="0" smtClean="0"/>
-              <a:t>で自分が知らない内容を発表のネタとして紹介することが、非常に学びになるという過去の体験より</a:t>
-            </a:r>
-            <a:endParaRPr lang="en-US" altLang="ja-JP" dirty="0" smtClean="0"/>
-          </a:p>
-          <a:p>
-            <a:pPr lvl="1"/>
-            <a:r>
-              <a:rPr kumimoji="1" lang="en-US" altLang="ja-JP" dirty="0" smtClean="0"/>
-              <a:t>JAWS</a:t>
-            </a:r>
-            <a:r>
-              <a:rPr kumimoji="1" lang="ja-JP" altLang="en-US" dirty="0" smtClean="0"/>
-              <a:t>長岡　</a:t>
-            </a:r>
-            <a:r>
-              <a:rPr kumimoji="1" lang="en-US" altLang="ja-JP" dirty="0" smtClean="0"/>
-              <a:t>AWS</a:t>
-            </a:r>
-            <a:r>
-              <a:rPr kumimoji="1" lang="ja-JP" altLang="en-US" dirty="0" smtClean="0"/>
-              <a:t> </a:t>
-            </a:r>
-            <a:r>
-              <a:rPr kumimoji="1" lang="en-US" altLang="ja-JP" dirty="0" smtClean="0"/>
-              <a:t>Lambda</a:t>
-            </a:r>
-            <a:r>
-              <a:rPr kumimoji="1" lang="ja-JP" altLang="en-US" dirty="0" smtClean="0"/>
-              <a:t>と</a:t>
-            </a:r>
-            <a:r>
-              <a:rPr kumimoji="1" lang="en-US" altLang="ja-JP" dirty="0" smtClean="0"/>
-              <a:t>API Gateway</a:t>
-            </a:r>
-            <a:r>
-              <a:rPr kumimoji="1" lang="ja-JP" altLang="en-US" dirty="0" smtClean="0"/>
-              <a:t>について</a:t>
-            </a:r>
-            <a:endParaRPr kumimoji="1" lang="ja-JP" altLang="en-US" dirty="0"/>
+              <a:t>で自分が知らない内容を発表のネタとして紹介することが、非常に学びになるという過去の体験</a:t>
+            </a:r>
+            <a:r>
+              <a:rPr lang="ja-JP" altLang="en-US" dirty="0" smtClean="0"/>
+              <a:t>より</a:t>
+            </a:r>
           </a:p>
         </p:txBody>
       </p:sp>

--- a/入門系の本を一冊も読まず.pptx
+++ b/入門系の本を一冊も読まず.pptx
@@ -3788,9 +3788,12 @@
               <a:t>参考資料：</a:t>
             </a:r>
             <a:r>
-              <a:rPr lang="en-US" altLang="ja-JP" sz="2800" dirty="0"/>
+              <a:rPr lang="en-US" altLang="ja-JP" sz="2800" dirty="0">
+                <a:hlinkClick r:id="rId2"/>
+              </a:rPr>
               <a:t>http://www.github.com/sakapun/nds51/</a:t>
             </a:r>
+            <a:endParaRPr lang="en-US" altLang="ja-JP" sz="2800" dirty="0"/>
           </a:p>
           <a:p>
             <a:endParaRPr kumimoji="1" lang="ja-JP" altLang="en-US" sz="2800" dirty="0"/>
